--- a/Logo.pptx
+++ b/Logo.pptx
@@ -111,7 +111,7 @@
   </p:defaultTextStyle>
   <p:extLst>
     <p:ext uri="{EFAFB233-063F-42B5-8137-9DF3F51BA10A}">
-      <p15:sldGuideLst xmlns:p15="http://schemas.microsoft.com/office/powerpoint/2012/main">
+      <p15:sldGuideLst xmlns="" xmlns:p15="http://schemas.microsoft.com/office/powerpoint/2012/main">
         <p15:guide id="1" orient="horz" pos="1620">
           <p15:clr>
             <a:srgbClr val="A4A3A4"/>
@@ -129,7 +129,7 @@
 </file>
 
 <file path=ppt/charts/chart1.xml><?xml version="1.0" encoding="utf-8"?>
-<c:chartSpace xmlns:c="http://schemas.openxmlformats.org/drawingml/2006/chart" xmlns:a="http://schemas.openxmlformats.org/drawingml/2006/main" xmlns:r="http://schemas.openxmlformats.org/officeDocument/2006/relationships" xmlns:c16r2="http://schemas.microsoft.com/office/drawing/2015/06/chart">
+<c:chartSpace xmlns:c="http://schemas.openxmlformats.org/drawingml/2006/chart" xmlns:a="http://schemas.openxmlformats.org/drawingml/2006/main" xmlns:r="http://schemas.openxmlformats.org/officeDocument/2006/relationships">
   <c:date1904 val="0"/>
   <c:lang val="zh-CN"/>
   <c:roundedCorners val="0"/>
@@ -188,7 +188,7 @@
               </a:ln>
               <a:effectLst/>
             </c:spPr>
-            <c:extLst>
+            <c:extLst xmlns:c16r2="http://schemas.microsoft.com/office/drawing/2015/06/chart">
               <c:ext xmlns:c16="http://schemas.microsoft.com/office/drawing/2014/chart" uri="{C3380CC4-5D6E-409C-BE32-E72D297353CC}">
                 <c16:uniqueId val="{00000005-3206-42A2-B2ED-D4A1BEFE6A31}"/>
               </c:ext>
@@ -209,7 +209,7 @@
               </a:ln>
               <a:effectLst/>
             </c:spPr>
-            <c:extLst>
+            <c:extLst xmlns:c16r2="http://schemas.microsoft.com/office/drawing/2015/06/chart">
               <c:ext xmlns:c16="http://schemas.microsoft.com/office/drawing/2014/chart" uri="{C3380CC4-5D6E-409C-BE32-E72D297353CC}">
                 <c16:uniqueId val="{00000004-3206-42A2-B2ED-D4A1BEFE6A31}"/>
               </c:ext>
@@ -230,7 +230,7 @@
               </a:ln>
               <a:effectLst/>
             </c:spPr>
-            <c:extLst>
+            <c:extLst xmlns:c16r2="http://schemas.microsoft.com/office/drawing/2015/06/chart">
               <c:ext xmlns:c16="http://schemas.microsoft.com/office/drawing/2014/chart" uri="{C3380CC4-5D6E-409C-BE32-E72D297353CC}">
                 <c16:uniqueId val="{00000006-3206-42A2-B2ED-D4A1BEFE6A31}"/>
               </c:ext>
@@ -251,7 +251,7 @@
               </a:ln>
               <a:effectLst/>
             </c:spPr>
-            <c:extLst>
+            <c:extLst xmlns:c16r2="http://schemas.microsoft.com/office/drawing/2015/06/chart">
               <c:ext xmlns:c16="http://schemas.microsoft.com/office/drawing/2014/chart" uri="{C3380CC4-5D6E-409C-BE32-E72D297353CC}">
                 <c16:uniqueId val="{00000007-3206-42A2-B2ED-D4A1BEFE6A31}"/>
               </c:ext>
@@ -295,7 +295,7 @@
             <c:showPercent val="0"/>
             <c:showBubbleSize val="0"/>
             <c:showLeaderLines val="0"/>
-            <c:extLst>
+            <c:extLst xmlns:c16r2="http://schemas.microsoft.com/office/drawing/2015/06/chart">
               <c:ext xmlns:c15="http://schemas.microsoft.com/office/drawing/2012/chart" uri="{CE6537A1-D6FC-4f65-9D91-7224C49458BB}">
                 <c15:showLeaderLines val="0"/>
               </c:ext>
@@ -322,7 +322,7 @@
               </c:numCache>
             </c:numRef>
           </c:val>
-          <c:extLst>
+          <c:extLst xmlns:c16r2="http://schemas.microsoft.com/office/drawing/2015/06/chart">
             <c:ext xmlns:c16="http://schemas.microsoft.com/office/drawing/2014/chart" uri="{C3380CC4-5D6E-409C-BE32-E72D297353CC}">
               <c16:uniqueId val="{00000000-3206-42A2-B2ED-D4A1BEFE6A31}"/>
             </c:ext>
@@ -337,8 +337,8 @@
           <c:showBubbleSize val="0"/>
         </c:dLbls>
         <c:gapWidth val="150"/>
-        <c:axId val="232544088"/>
-        <c:axId val="232544744"/>
+        <c:axId val="160661504"/>
+        <c:axId val="160663040"/>
       </c:barChart>
       <c:lineChart>
         <c:grouping val="standard"/>
@@ -373,7 +373,7 @@
             <c:dLbl>
               <c:idx val="0"/>
               <c:delete val="1"/>
-              <c:extLst>
+              <c:extLst xmlns:c16r2="http://schemas.microsoft.com/office/drawing/2015/06/chart">
                 <c:ext xmlns:c15="http://schemas.microsoft.com/office/drawing/2012/chart" uri="{CE6537A1-D6FC-4f65-9D91-7224C49458BB}"/>
                 <c:ext xmlns:c16="http://schemas.microsoft.com/office/drawing/2014/chart" uri="{C3380CC4-5D6E-409C-BE32-E72D297353CC}">
                   <c16:uniqueId val="{0000000B-3206-42A2-B2ED-D4A1BEFE6A31}"/>
@@ -383,7 +383,7 @@
             <c:dLbl>
               <c:idx val="9"/>
               <c:delete val="1"/>
-              <c:extLst>
+              <c:extLst xmlns:c16r2="http://schemas.microsoft.com/office/drawing/2015/06/chart">
                 <c:ext xmlns:c15="http://schemas.microsoft.com/office/drawing/2012/chart" uri="{CE6537A1-D6FC-4f65-9D91-7224C49458BB}"/>
                 <c:ext xmlns:c16="http://schemas.microsoft.com/office/drawing/2014/chart" uri="{C3380CC4-5D6E-409C-BE32-E72D297353CC}">
                   <c16:uniqueId val="{0000000A-3206-42A2-B2ED-D4A1BEFE6A31}"/>
@@ -424,7 +424,7 @@
             <c:showPercent val="0"/>
             <c:showBubbleSize val="0"/>
             <c:showLeaderLines val="0"/>
-            <c:extLst>
+            <c:extLst xmlns:c16r2="http://schemas.microsoft.com/office/drawing/2015/06/chart">
               <c:ext xmlns:c15="http://schemas.microsoft.com/office/drawing/2012/chart" uri="{CE6537A1-D6FC-4f65-9D91-7224C49458BB}">
                 <c15:showLeaderLines val="0"/>
               </c:ext>
@@ -536,7 +536,7 @@
             </c:numRef>
           </c:val>
           <c:smooth val="0"/>
-          <c:extLst>
+          <c:extLst xmlns:c16r2="http://schemas.microsoft.com/office/drawing/2015/06/chart">
             <c:ext xmlns:c16="http://schemas.microsoft.com/office/drawing/2014/chart" uri="{C3380CC4-5D6E-409C-BE32-E72D297353CC}">
               <c16:uniqueId val="{00000001-3206-42A2-B2ED-D4A1BEFE6A31}"/>
             </c:ext>
@@ -572,7 +572,7 @@
             <c:dLbl>
               <c:idx val="0"/>
               <c:delete val="1"/>
-              <c:extLst>
+              <c:extLst xmlns:c16r2="http://schemas.microsoft.com/office/drawing/2015/06/chart">
                 <c:ext xmlns:c15="http://schemas.microsoft.com/office/drawing/2012/chart" uri="{CE6537A1-D6FC-4f65-9D91-7224C49458BB}"/>
                 <c:ext xmlns:c16="http://schemas.microsoft.com/office/drawing/2014/chart" uri="{C3380CC4-5D6E-409C-BE32-E72D297353CC}">
                   <c16:uniqueId val="{0000000C-3206-42A2-B2ED-D4A1BEFE6A31}"/>
@@ -582,7 +582,7 @@
             <c:dLbl>
               <c:idx val="18"/>
               <c:delete val="1"/>
-              <c:extLst>
+              <c:extLst xmlns:c16r2="http://schemas.microsoft.com/office/drawing/2015/06/chart">
                 <c:ext xmlns:c15="http://schemas.microsoft.com/office/drawing/2012/chart" uri="{CE6537A1-D6FC-4f65-9D91-7224C49458BB}"/>
                 <c:ext xmlns:c16="http://schemas.microsoft.com/office/drawing/2014/chart" uri="{C3380CC4-5D6E-409C-BE32-E72D297353CC}">
                   <c16:uniqueId val="{0000000D-3206-42A2-B2ED-D4A1BEFE6A31}"/>
@@ -625,7 +625,7 @@
             <c:separator>
 </c:separator>
             <c:showLeaderLines val="0"/>
-            <c:extLst>
+            <c:extLst xmlns:c16r2="http://schemas.microsoft.com/office/drawing/2015/06/chart">
               <c:ext xmlns:c15="http://schemas.microsoft.com/office/drawing/2012/chart" uri="{CE6537A1-D6FC-4f65-9D91-7224C49458BB}">
                 <c15:showLeaderLines val="0"/>
               </c:ext>
@@ -764,7 +764,7 @@
             </c:numRef>
           </c:val>
           <c:smooth val="0"/>
-          <c:extLst>
+          <c:extLst xmlns:c16r2="http://schemas.microsoft.com/office/drawing/2015/06/chart">
             <c:ext xmlns:c16="http://schemas.microsoft.com/office/drawing/2014/chart" uri="{C3380CC4-5D6E-409C-BE32-E72D297353CC}">
               <c16:uniqueId val="{00000002-3206-42A2-B2ED-D4A1BEFE6A31}"/>
             </c:ext>
@@ -807,8 +807,6 @@
           <c:dPt>
             <c:idx val="8"/>
             <c:marker>
-              <c:symbol val="diamond"/>
-              <c:size val="10"/>
               <c:spPr>
                 <a:solidFill>
                   <a:schemeClr val="accent1">
@@ -823,7 +821,7 @@
               </c:spPr>
             </c:marker>
             <c:bubble3D val="0"/>
-            <c:extLst>
+            <c:extLst xmlns:c16r2="http://schemas.microsoft.com/office/drawing/2015/06/chart">
               <c:ext xmlns:c16="http://schemas.microsoft.com/office/drawing/2014/chart" uri="{C3380CC4-5D6E-409C-BE32-E72D297353CC}">
                 <c16:uniqueId val="{00000008-3206-42A2-B2ED-D4A1BEFE6A31}"/>
               </c:ext>
@@ -832,8 +830,6 @@
           <c:dPt>
             <c:idx val="17"/>
             <c:marker>
-              <c:symbol val="diamond"/>
-              <c:size val="10"/>
               <c:spPr>
                 <a:solidFill>
                   <a:schemeClr val="accent2">
@@ -848,7 +844,7 @@
               </c:spPr>
             </c:marker>
             <c:bubble3D val="0"/>
-            <c:extLst>
+            <c:extLst xmlns:c16r2="http://schemas.microsoft.com/office/drawing/2015/06/chart">
               <c:ext xmlns:c16="http://schemas.microsoft.com/office/drawing/2014/chart" uri="{C3380CC4-5D6E-409C-BE32-E72D297353CC}">
                 <c16:uniqueId val="{00000009-3206-42A2-B2ED-D4A1BEFE6A31}"/>
               </c:ext>
@@ -897,11 +893,6 @@
               <c:showSerName val="1"/>
               <c:showPercent val="0"/>
               <c:showBubbleSize val="0"/>
-              <c:extLst>
-                <c:ext xmlns:c16="http://schemas.microsoft.com/office/drawing/2014/chart" uri="{C3380CC4-5D6E-409C-BE32-E72D297353CC}">
-                  <c16:uniqueId val="{00000008-3206-42A2-B2ED-D4A1BEFE6A31}"/>
-                </c:ext>
-              </c:extLst>
             </c:dLbl>
             <c:dLbl>
               <c:idx val="17"/>
@@ -945,11 +936,6 @@
               <c:showSerName val="1"/>
               <c:showPercent val="0"/>
               <c:showBubbleSize val="0"/>
-              <c:extLst>
-                <c:ext xmlns:c16="http://schemas.microsoft.com/office/drawing/2014/chart" uri="{C3380CC4-5D6E-409C-BE32-E72D297353CC}">
-                  <c16:uniqueId val="{00000009-3206-42A2-B2ED-D4A1BEFE6A31}"/>
-                </c:ext>
-              </c:extLst>
             </c:dLbl>
             <c:spPr>
               <a:solidFill>
@@ -990,7 +976,7 @@
             <c:showPercent val="0"/>
             <c:showBubbleSize val="0"/>
             <c:showLeaderLines val="0"/>
-            <c:extLst>
+            <c:extLst xmlns:c16r2="http://schemas.microsoft.com/office/drawing/2015/06/chart">
               <c:ext xmlns:c15="http://schemas.microsoft.com/office/drawing/2012/chart" uri="{CE6537A1-D6FC-4f65-9D91-7224C49458BB}">
                 <c15:showLeaderLines val="0"/>
               </c:ext>
@@ -1078,7 +1064,7 @@
             </c:numRef>
           </c:val>
           <c:smooth val="0"/>
-          <c:extLst>
+          <c:extLst xmlns:c16r2="http://schemas.microsoft.com/office/drawing/2015/06/chart">
             <c:ext xmlns:c16="http://schemas.microsoft.com/office/drawing/2014/chart" uri="{C3380CC4-5D6E-409C-BE32-E72D297353CC}">
               <c16:uniqueId val="{00000003-3206-42A2-B2ED-D4A1BEFE6A31}"/>
             </c:ext>
@@ -1094,11 +1080,11 @@
         </c:dLbls>
         <c:marker val="1"/>
         <c:smooth val="0"/>
-        <c:axId val="232544088"/>
-        <c:axId val="232544744"/>
+        <c:axId val="160661504"/>
+        <c:axId val="160663040"/>
       </c:lineChart>
       <c:catAx>
-        <c:axId val="232544088"/>
+        <c:axId val="160661504"/>
         <c:scaling>
           <c:orientation val="minMax"/>
         </c:scaling>
@@ -1140,7 +1126,7 @@
             <a:endParaRPr lang="zh-CN"/>
           </a:p>
         </c:txPr>
-        <c:crossAx val="232544744"/>
+        <c:crossAx val="160663040"/>
         <c:crosses val="autoZero"/>
         <c:auto val="1"/>
         <c:lblAlgn val="ctr"/>
@@ -1148,7 +1134,7 @@
         <c:noMultiLvlLbl val="0"/>
       </c:catAx>
       <c:valAx>
-        <c:axId val="232544744"/>
+        <c:axId val="160663040"/>
         <c:scaling>
           <c:orientation val="minMax"/>
           <c:max val="360"/>
@@ -1174,7 +1160,7 @@
         <c:majorTickMark val="out"/>
         <c:minorTickMark val="none"/>
         <c:tickLblPos val="nextTo"/>
-        <c:crossAx val="232544088"/>
+        <c:crossAx val="160661504"/>
         <c:crosses val="autoZero"/>
         <c:crossBetween val="midCat"/>
         <c:majorUnit val="40"/>
@@ -1189,14 +1175,14 @@
     </c:plotArea>
     <c:plotVisOnly val="1"/>
     <c:dispBlanksAs val="gap"/>
-    <c:extLst>
+    <c:showDLblsOverMax val="0"/>
+    <c:extLst xmlns:c16r2="http://schemas.microsoft.com/office/drawing/2015/06/chart">
       <c:ext xmlns:c16r3="http://schemas.microsoft.com/office/drawing/2017/03/chart" uri="{56B9EC1D-385E-4148-901F-78D8002777C0}">
         <c16r3:dataDisplayOptions16>
           <c16r3:dispNaAsBlank val="1"/>
         </c16r3:dataDisplayOptions16>
       </c:ext>
     </c:extLst>
-    <c:showDLblsOverMax val="0"/>
   </c:chart>
   <c:spPr>
     <a:noFill/>
@@ -1215,14 +1201,14 @@
       <a:endParaRPr lang="zh-CN"/>
     </a:p>
   </c:txPr>
-  <c:externalData r:id="rId3">
+  <c:externalData r:id="rId1">
     <c:autoUpdate val="0"/>
   </c:externalData>
 </c:chartSpace>
 </file>
 
 <file path=ppt/charts/chart2.xml><?xml version="1.0" encoding="utf-8"?>
-<c:chartSpace xmlns:c="http://schemas.openxmlformats.org/drawingml/2006/chart" xmlns:a="http://schemas.openxmlformats.org/drawingml/2006/main" xmlns:r="http://schemas.openxmlformats.org/officeDocument/2006/relationships" xmlns:c16r2="http://schemas.microsoft.com/office/drawing/2015/06/chart">
+<c:chartSpace xmlns:c="http://schemas.openxmlformats.org/drawingml/2006/chart" xmlns:a="http://schemas.openxmlformats.org/drawingml/2006/main" xmlns:r="http://schemas.openxmlformats.org/officeDocument/2006/relationships">
   <c:date1904 val="0"/>
   <c:lang val="zh-CN"/>
   <c:roundedCorners val="0"/>
@@ -1306,7 +1292,7 @@
             <c:showPercent val="0"/>
             <c:showBubbleSize val="0"/>
             <c:showLeaderLines val="0"/>
-            <c:extLst>
+            <c:extLst xmlns:c16r2="http://schemas.microsoft.com/office/drawing/2015/06/chart">
               <c:ext xmlns:c15="http://schemas.microsoft.com/office/drawing/2012/chart" uri="{CE6537A1-D6FC-4f65-9D91-7224C49458BB}">
                 <c15:showLeaderLines val="0"/>
               </c:ext>
@@ -1354,7 +1340,7 @@
               </c:numCache>
             </c:numRef>
           </c:val>
-          <c:extLst>
+          <c:extLst xmlns:c16r2="http://schemas.microsoft.com/office/drawing/2015/06/chart">
             <c:ext xmlns:c16="http://schemas.microsoft.com/office/drawing/2014/chart" uri="{C3380CC4-5D6E-409C-BE32-E72D297353CC}">
               <c16:uniqueId val="{00000001-27A3-43B2-AF44-DA1C9214B1C6}"/>
             </c:ext>
@@ -1369,8 +1355,8 @@
           <c:showBubbleSize val="0"/>
         </c:dLbls>
         <c:gapWidth val="150"/>
-        <c:axId val="552921120"/>
-        <c:axId val="552919808"/>
+        <c:axId val="163461376"/>
+        <c:axId val="163869056"/>
       </c:barChart>
       <c:lineChart>
         <c:grouping val="standard"/>
@@ -1436,7 +1422,7 @@
             <c:showPercent val="0"/>
             <c:showBubbleSize val="0"/>
             <c:showLeaderLines val="0"/>
-            <c:extLst>
+            <c:extLst xmlns:c16r2="http://schemas.microsoft.com/office/drawing/2015/06/chart">
               <c:ext xmlns:c15="http://schemas.microsoft.com/office/drawing/2012/chart" uri="{CE6537A1-D6FC-4f65-9D91-7224C49458BB}">
                 <c15:showLeaderLines val="1"/>
                 <c15:leaderLines>
@@ -1517,7 +1503,7 @@
             </c:numRef>
           </c:val>
           <c:smooth val="0"/>
-          <c:extLst>
+          <c:extLst xmlns:c16r2="http://schemas.microsoft.com/office/drawing/2015/06/chart">
             <c:ext xmlns:c16="http://schemas.microsoft.com/office/drawing/2014/chart" uri="{C3380CC4-5D6E-409C-BE32-E72D297353CC}">
               <c16:uniqueId val="{00000000-27A3-43B2-AF44-DA1C9214B1C6}"/>
             </c:ext>
@@ -1533,11 +1519,11 @@
         </c:dLbls>
         <c:marker val="1"/>
         <c:smooth val="0"/>
-        <c:axId val="552921120"/>
-        <c:axId val="552919808"/>
+        <c:axId val="163461376"/>
+        <c:axId val="163869056"/>
       </c:lineChart>
       <c:catAx>
-        <c:axId val="552921120"/>
+        <c:axId val="163461376"/>
         <c:scaling>
           <c:orientation val="minMax"/>
         </c:scaling>
@@ -1580,7 +1566,7 @@
             <a:endParaRPr lang="zh-CN"/>
           </a:p>
         </c:txPr>
-        <c:crossAx val="552919808"/>
+        <c:crossAx val="163869056"/>
         <c:crosses val="autoZero"/>
         <c:auto val="1"/>
         <c:lblAlgn val="ctr"/>
@@ -1588,7 +1574,7 @@
         <c:noMultiLvlLbl val="0"/>
       </c:catAx>
       <c:valAx>
-        <c:axId val="552919808"/>
+        <c:axId val="163869056"/>
         <c:scaling>
           <c:orientation val="minMax"/>
           <c:max val="60"/>
@@ -1614,7 +1600,7 @@
         <c:majorTickMark val="none"/>
         <c:minorTickMark val="none"/>
         <c:tickLblPos val="nextTo"/>
-        <c:crossAx val="552921120"/>
+        <c:crossAx val="163461376"/>
         <c:crosses val="autoZero"/>
         <c:crossBetween val="midCat"/>
         <c:majorUnit val="12"/>
@@ -1629,14 +1615,14 @@
     </c:plotArea>
     <c:plotVisOnly val="1"/>
     <c:dispBlanksAs val="gap"/>
-    <c:extLst>
+    <c:showDLblsOverMax val="0"/>
+    <c:extLst xmlns:c16r2="http://schemas.microsoft.com/office/drawing/2015/06/chart">
       <c:ext xmlns:c16r3="http://schemas.microsoft.com/office/drawing/2017/03/chart" uri="{56B9EC1D-385E-4148-901F-78D8002777C0}">
         <c16r3:dataDisplayOptions16>
           <c16r3:dispNaAsBlank val="1"/>
         </c16r3:dataDisplayOptions16>
       </c:ext>
     </c:extLst>
-    <c:showDLblsOverMax val="0"/>
   </c:chart>
   <c:spPr>
     <a:noFill/>
@@ -1655,14 +1641,14 @@
       <a:endParaRPr lang="zh-CN"/>
     </a:p>
   </c:txPr>
-  <c:externalData r:id="rId3">
+  <c:externalData r:id="rId1">
     <c:autoUpdate val="0"/>
   </c:externalData>
 </c:chartSpace>
 </file>
 
 <file path=ppt/charts/chart3.xml><?xml version="1.0" encoding="utf-8"?>
-<c:chartSpace xmlns:c="http://schemas.openxmlformats.org/drawingml/2006/chart" xmlns:a="http://schemas.openxmlformats.org/drawingml/2006/main" xmlns:r="http://schemas.openxmlformats.org/officeDocument/2006/relationships" xmlns:c16r2="http://schemas.microsoft.com/office/drawing/2015/06/chart">
+<c:chartSpace xmlns:c="http://schemas.openxmlformats.org/drawingml/2006/chart" xmlns:a="http://schemas.openxmlformats.org/drawingml/2006/main" xmlns:r="http://schemas.openxmlformats.org/officeDocument/2006/relationships">
   <c:date1904 val="0"/>
   <c:lang val="zh-CN"/>
   <c:roundedCorners val="0"/>
@@ -1724,7 +1710,7 @@
               </a:ln>
               <a:effectLst/>
             </c:spPr>
-            <c:extLst>
+            <c:extLst xmlns:c16r2="http://schemas.microsoft.com/office/drawing/2015/06/chart">
               <c:ext xmlns:c16="http://schemas.microsoft.com/office/drawing/2014/chart" uri="{C3380CC4-5D6E-409C-BE32-E72D297353CC}">
                 <c16:uniqueId val="{00000011-6688-4D74-AA70-7741950AB033}"/>
               </c:ext>
@@ -1745,7 +1731,7 @@
               </a:ln>
               <a:effectLst/>
             </c:spPr>
-            <c:extLst>
+            <c:extLst xmlns:c16r2="http://schemas.microsoft.com/office/drawing/2015/06/chart">
               <c:ext xmlns:c16="http://schemas.microsoft.com/office/drawing/2014/chart" uri="{C3380CC4-5D6E-409C-BE32-E72D297353CC}">
                 <c16:uniqueId val="{00000012-6688-4D74-AA70-7741950AB033}"/>
               </c:ext>
@@ -1766,7 +1752,7 @@
               </a:ln>
               <a:effectLst/>
             </c:spPr>
-            <c:extLst>
+            <c:extLst xmlns:c16r2="http://schemas.microsoft.com/office/drawing/2015/06/chart">
               <c:ext xmlns:c16="http://schemas.microsoft.com/office/drawing/2014/chart" uri="{C3380CC4-5D6E-409C-BE32-E72D297353CC}">
                 <c16:uniqueId val="{00000013-6688-4D74-AA70-7741950AB033}"/>
               </c:ext>
@@ -1787,7 +1773,7 @@
               </a:ln>
               <a:effectLst/>
             </c:spPr>
-            <c:extLst>
+            <c:extLst xmlns:c16r2="http://schemas.microsoft.com/office/drawing/2015/06/chart">
               <c:ext xmlns:c16="http://schemas.microsoft.com/office/drawing/2014/chart" uri="{C3380CC4-5D6E-409C-BE32-E72D297353CC}">
                 <c16:uniqueId val="{00000014-6688-4D74-AA70-7741950AB033}"/>
               </c:ext>
@@ -1808,7 +1794,7 @@
               </a:ln>
               <a:effectLst/>
             </c:spPr>
-            <c:extLst>
+            <c:extLst xmlns:c16r2="http://schemas.microsoft.com/office/drawing/2015/06/chart">
               <c:ext xmlns:c16="http://schemas.microsoft.com/office/drawing/2014/chart" uri="{C3380CC4-5D6E-409C-BE32-E72D297353CC}">
                 <c16:uniqueId val="{00000015-6688-4D74-AA70-7741950AB033}"/>
               </c:ext>
@@ -1829,7 +1815,7 @@
               </a:ln>
               <a:effectLst/>
             </c:spPr>
-            <c:extLst>
+            <c:extLst xmlns:c16r2="http://schemas.microsoft.com/office/drawing/2015/06/chart">
               <c:ext xmlns:c16="http://schemas.microsoft.com/office/drawing/2014/chart" uri="{C3380CC4-5D6E-409C-BE32-E72D297353CC}">
                 <c16:uniqueId val="{00000016-6688-4D74-AA70-7741950AB033}"/>
               </c:ext>
@@ -1850,7 +1836,7 @@
               </a:ln>
               <a:effectLst/>
             </c:spPr>
-            <c:extLst>
+            <c:extLst xmlns:c16r2="http://schemas.microsoft.com/office/drawing/2015/06/chart">
               <c:ext xmlns:c16="http://schemas.microsoft.com/office/drawing/2014/chart" uri="{C3380CC4-5D6E-409C-BE32-E72D297353CC}">
                 <c16:uniqueId val="{00000017-6688-4D74-AA70-7741950AB033}"/>
               </c:ext>
@@ -1871,17 +1857,113 @@
               </a:ln>
               <a:effectLst/>
             </c:spPr>
-            <c:extLst>
+            <c:extLst xmlns:c16r2="http://schemas.microsoft.com/office/drawing/2015/06/chart">
               <c:ext xmlns:c16="http://schemas.microsoft.com/office/drawing/2014/chart" uri="{C3380CC4-5D6E-409C-BE32-E72D297353CC}">
                 <c16:uniqueId val="{00000018-6688-4D74-AA70-7741950AB033}"/>
               </c:ext>
             </c:extLst>
           </c:dPt>
+          <c:dPt>
+            <c:idx val="23"/>
+            <c:invertIfNegative val="0"/>
+            <c:bubble3D val="0"/>
+            <c:spPr>
+              <a:solidFill>
+                <a:schemeClr val="accent5">
+                  <a:lumMod val="50000"/>
+                </a:schemeClr>
+              </a:solidFill>
+              <a:ln>
+                <a:noFill/>
+              </a:ln>
+              <a:effectLst/>
+            </c:spPr>
+          </c:dPt>
+          <c:dPt>
+            <c:idx val="24"/>
+            <c:invertIfNegative val="0"/>
+            <c:bubble3D val="0"/>
+            <c:spPr>
+              <a:solidFill>
+                <a:schemeClr val="accent5">
+                  <a:lumMod val="50000"/>
+                </a:schemeClr>
+              </a:solidFill>
+              <a:ln>
+                <a:noFill/>
+              </a:ln>
+              <a:effectLst/>
+            </c:spPr>
+          </c:dPt>
+          <c:dPt>
+            <c:idx val="25"/>
+            <c:invertIfNegative val="0"/>
+            <c:bubble3D val="0"/>
+            <c:spPr>
+              <a:solidFill>
+                <a:schemeClr val="accent5">
+                  <a:lumMod val="50000"/>
+                </a:schemeClr>
+              </a:solidFill>
+              <a:ln>
+                <a:noFill/>
+              </a:ln>
+              <a:effectLst/>
+            </c:spPr>
+          </c:dPt>
+          <c:dPt>
+            <c:idx val="26"/>
+            <c:invertIfNegative val="0"/>
+            <c:bubble3D val="0"/>
+            <c:spPr>
+              <a:solidFill>
+                <a:schemeClr val="accent5">
+                  <a:lumMod val="50000"/>
+                </a:schemeClr>
+              </a:solidFill>
+              <a:ln>
+                <a:noFill/>
+              </a:ln>
+              <a:effectLst/>
+            </c:spPr>
+          </c:dPt>
+          <c:dPt>
+            <c:idx val="33"/>
+            <c:invertIfNegative val="0"/>
+            <c:bubble3D val="0"/>
+            <c:spPr>
+              <a:solidFill>
+                <a:schemeClr val="accent5">
+                  <a:lumMod val="50000"/>
+                </a:schemeClr>
+              </a:solidFill>
+              <a:ln>
+                <a:noFill/>
+              </a:ln>
+              <a:effectLst/>
+            </c:spPr>
+          </c:dPt>
+          <c:dPt>
+            <c:idx val="34"/>
+            <c:invertIfNegative val="0"/>
+            <c:bubble3D val="0"/>
+            <c:spPr>
+              <a:solidFill>
+                <a:schemeClr val="accent5">
+                  <a:lumMod val="50000"/>
+                </a:schemeClr>
+              </a:solidFill>
+              <a:ln>
+                <a:noFill/>
+              </a:ln>
+              <a:effectLst/>
+            </c:spPr>
+          </c:dPt>
           <c:dLbls>
             <c:dLbl>
               <c:idx val="6"/>
               <c:delete val="1"/>
-              <c:extLst>
+              <c:extLst xmlns:c16r2="http://schemas.microsoft.com/office/drawing/2015/06/chart">
                 <c:ext xmlns:c15="http://schemas.microsoft.com/office/drawing/2012/chart" uri="{CE6537A1-D6FC-4f65-9D91-7224C49458BB}"/>
                 <c:ext xmlns:c16="http://schemas.microsoft.com/office/drawing/2014/chart" uri="{C3380CC4-5D6E-409C-BE32-E72D297353CC}">
                   <c16:uniqueId val="{00000011-6688-4D74-AA70-7741950AB033}"/>
@@ -1891,7 +1973,7 @@
             <c:dLbl>
               <c:idx val="7"/>
               <c:delete val="1"/>
-              <c:extLst>
+              <c:extLst xmlns:c16r2="http://schemas.microsoft.com/office/drawing/2015/06/chart">
                 <c:ext xmlns:c15="http://schemas.microsoft.com/office/drawing/2012/chart" uri="{CE6537A1-D6FC-4f65-9D91-7224C49458BB}"/>
                 <c:ext xmlns:c16="http://schemas.microsoft.com/office/drawing/2014/chart" uri="{C3380CC4-5D6E-409C-BE32-E72D297353CC}">
                   <c16:uniqueId val="{00000012-6688-4D74-AA70-7741950AB033}"/>
@@ -1901,7 +1983,7 @@
             <c:dLbl>
               <c:idx val="9"/>
               <c:delete val="1"/>
-              <c:extLst>
+              <c:extLst xmlns:c16r2="http://schemas.microsoft.com/office/drawing/2015/06/chart">
                 <c:ext xmlns:c15="http://schemas.microsoft.com/office/drawing/2012/chart" uri="{CE6537A1-D6FC-4f65-9D91-7224C49458BB}"/>
                 <c:ext xmlns:c16="http://schemas.microsoft.com/office/drawing/2014/chart" uri="{C3380CC4-5D6E-409C-BE32-E72D297353CC}">
                   <c16:uniqueId val="{00000014-6688-4D74-AA70-7741950AB033}"/>
@@ -1911,7 +1993,7 @@
             <c:dLbl>
               <c:idx val="10"/>
               <c:delete val="1"/>
-              <c:extLst>
+              <c:extLst xmlns:c16r2="http://schemas.microsoft.com/office/drawing/2015/06/chart">
                 <c:ext xmlns:c15="http://schemas.microsoft.com/office/drawing/2012/chart" uri="{CE6537A1-D6FC-4f65-9D91-7224C49458BB}"/>
                 <c:ext xmlns:c16="http://schemas.microsoft.com/office/drawing/2014/chart" uri="{C3380CC4-5D6E-409C-BE32-E72D297353CC}">
                   <c16:uniqueId val="{0000000B-6688-4D74-AA70-7741950AB033}"/>
@@ -1921,7 +2003,7 @@
             <c:dLbl>
               <c:idx val="12"/>
               <c:delete val="1"/>
-              <c:extLst>
+              <c:extLst xmlns:c16r2="http://schemas.microsoft.com/office/drawing/2015/06/chart">
                 <c:ext xmlns:c15="http://schemas.microsoft.com/office/drawing/2012/chart" uri="{CE6537A1-D6FC-4f65-9D91-7224C49458BB}"/>
                 <c:ext xmlns:c16="http://schemas.microsoft.com/office/drawing/2014/chart" uri="{C3380CC4-5D6E-409C-BE32-E72D297353CC}">
                   <c16:uniqueId val="{00000009-6688-4D74-AA70-7741950AB033}"/>
@@ -1931,7 +2013,7 @@
             <c:dLbl>
               <c:idx val="13"/>
               <c:delete val="1"/>
-              <c:extLst>
+              <c:extLst xmlns:c16r2="http://schemas.microsoft.com/office/drawing/2015/06/chart">
                 <c:ext xmlns:c15="http://schemas.microsoft.com/office/drawing/2012/chart" uri="{CE6537A1-D6FC-4f65-9D91-7224C49458BB}"/>
                 <c:ext xmlns:c16="http://schemas.microsoft.com/office/drawing/2014/chart" uri="{C3380CC4-5D6E-409C-BE32-E72D297353CC}">
                   <c16:uniqueId val="{00000015-6688-4D74-AA70-7741950AB033}"/>
@@ -1941,7 +2023,7 @@
             <c:dLbl>
               <c:idx val="14"/>
               <c:delete val="1"/>
-              <c:extLst>
+              <c:extLst xmlns:c16r2="http://schemas.microsoft.com/office/drawing/2015/06/chart">
                 <c:ext xmlns:c15="http://schemas.microsoft.com/office/drawing/2012/chart" uri="{CE6537A1-D6FC-4f65-9D91-7224C49458BB}"/>
                 <c:ext xmlns:c16="http://schemas.microsoft.com/office/drawing/2014/chart" uri="{C3380CC4-5D6E-409C-BE32-E72D297353CC}">
                   <c16:uniqueId val="{00000016-6688-4D74-AA70-7741950AB033}"/>
@@ -1951,7 +2033,7 @@
             <c:dLbl>
               <c:idx val="16"/>
               <c:delete val="1"/>
-              <c:extLst>
+              <c:extLst xmlns:c16r2="http://schemas.microsoft.com/office/drawing/2015/06/chart">
                 <c:ext xmlns:c15="http://schemas.microsoft.com/office/drawing/2012/chart" uri="{CE6537A1-D6FC-4f65-9D91-7224C49458BB}"/>
                 <c:ext xmlns:c16="http://schemas.microsoft.com/office/drawing/2014/chart" uri="{C3380CC4-5D6E-409C-BE32-E72D297353CC}">
                   <c16:uniqueId val="{00000018-6688-4D74-AA70-7741950AB033}"/>
@@ -1961,7 +2043,7 @@
             <c:dLbl>
               <c:idx val="17"/>
               <c:delete val="1"/>
-              <c:extLst>
+              <c:extLst xmlns:c16r2="http://schemas.microsoft.com/office/drawing/2015/06/chart">
                 <c:ext xmlns:c15="http://schemas.microsoft.com/office/drawing/2012/chart" uri="{CE6537A1-D6FC-4f65-9D91-7224C49458BB}"/>
                 <c:ext xmlns:c16="http://schemas.microsoft.com/office/drawing/2014/chart" uri="{C3380CC4-5D6E-409C-BE32-E72D297353CC}">
                   <c16:uniqueId val="{0000000D-6688-4D74-AA70-7741950AB033}"/>
@@ -1971,7 +2053,7 @@
             <c:dLbl>
               <c:idx val="18"/>
               <c:delete val="1"/>
-              <c:extLst>
+              <c:extLst xmlns:c16r2="http://schemas.microsoft.com/office/drawing/2015/06/chart">
                 <c:ext xmlns:c15="http://schemas.microsoft.com/office/drawing/2012/chart" uri="{CE6537A1-D6FC-4f65-9D91-7224C49458BB}"/>
                 <c:ext xmlns:c16="http://schemas.microsoft.com/office/drawing/2014/chart" uri="{C3380CC4-5D6E-409C-BE32-E72D297353CC}">
                   <c16:uniqueId val="{0000000E-6688-4D74-AA70-7741950AB033}"/>
@@ -1981,7 +2063,7 @@
             <c:dLbl>
               <c:idx val="20"/>
               <c:delete val="1"/>
-              <c:extLst>
+              <c:extLst xmlns:c16r2="http://schemas.microsoft.com/office/drawing/2015/06/chart">
                 <c:ext xmlns:c15="http://schemas.microsoft.com/office/drawing/2012/chart" uri="{CE6537A1-D6FC-4f65-9D91-7224C49458BB}"/>
                 <c:ext xmlns:c16="http://schemas.microsoft.com/office/drawing/2014/chart" uri="{C3380CC4-5D6E-409C-BE32-E72D297353CC}">
                   <c16:uniqueId val="{00000010-6688-4D74-AA70-7741950AB033}"/>
@@ -1989,9 +2071,21 @@
               </c:extLst>
             </c:dLbl>
             <c:dLbl>
+              <c:idx val="23"/>
+              <c:delete val="1"/>
+            </c:dLbl>
+            <c:dLbl>
+              <c:idx val="24"/>
+              <c:delete val="1"/>
+            </c:dLbl>
+            <c:dLbl>
+              <c:idx val="26"/>
+              <c:delete val="1"/>
+            </c:dLbl>
+            <c:dLbl>
               <c:idx val="27"/>
               <c:delete val="1"/>
-              <c:extLst>
+              <c:extLst xmlns:c16r2="http://schemas.microsoft.com/office/drawing/2015/06/chart">
                 <c:ext xmlns:c15="http://schemas.microsoft.com/office/drawing/2012/chart" uri="{CE6537A1-D6FC-4f65-9D91-7224C49458BB}"/>
                 <c:ext xmlns:c16="http://schemas.microsoft.com/office/drawing/2014/chart" uri="{C3380CC4-5D6E-409C-BE32-E72D297353CC}">
                   <c16:uniqueId val="{00000022-6688-4D74-AA70-7741950AB033}"/>
@@ -2001,7 +2095,7 @@
             <c:dLbl>
               <c:idx val="29"/>
               <c:delete val="1"/>
-              <c:extLst>
+              <c:extLst xmlns:c16r2="http://schemas.microsoft.com/office/drawing/2015/06/chart">
                 <c:ext xmlns:c15="http://schemas.microsoft.com/office/drawing/2012/chart" uri="{CE6537A1-D6FC-4f65-9D91-7224C49458BB}"/>
                 <c:ext xmlns:c16="http://schemas.microsoft.com/office/drawing/2014/chart" uri="{C3380CC4-5D6E-409C-BE32-E72D297353CC}">
                   <c16:uniqueId val="{00000021-6688-4D74-AA70-7741950AB033}"/>
@@ -2011,7 +2105,7 @@
             <c:dLbl>
               <c:idx val="30"/>
               <c:delete val="1"/>
-              <c:extLst>
+              <c:extLst xmlns:c16r2="http://schemas.microsoft.com/office/drawing/2015/06/chart">
                 <c:ext xmlns:c15="http://schemas.microsoft.com/office/drawing/2012/chart" uri="{CE6537A1-D6FC-4f65-9D91-7224C49458BB}"/>
                 <c:ext xmlns:c16="http://schemas.microsoft.com/office/drawing/2014/chart" uri="{C3380CC4-5D6E-409C-BE32-E72D297353CC}">
                   <c16:uniqueId val="{00000020-6688-4D74-AA70-7741950AB033}"/>
@@ -2021,7 +2115,7 @@
             <c:dLbl>
               <c:idx val="32"/>
               <c:delete val="1"/>
-              <c:extLst>
+              <c:extLst xmlns:c16r2="http://schemas.microsoft.com/office/drawing/2015/06/chart">
                 <c:ext xmlns:c15="http://schemas.microsoft.com/office/drawing/2012/chart" uri="{CE6537A1-D6FC-4f65-9D91-7224C49458BB}"/>
                 <c:ext xmlns:c16="http://schemas.microsoft.com/office/drawing/2014/chart" uri="{C3380CC4-5D6E-409C-BE32-E72D297353CC}">
                   <c16:uniqueId val="{0000001E-6688-4D74-AA70-7741950AB033}"/>
@@ -2029,9 +2123,13 @@
               </c:extLst>
             </c:dLbl>
             <c:dLbl>
+              <c:idx val="33"/>
+              <c:delete val="1"/>
+            </c:dLbl>
+            <c:dLbl>
               <c:idx val="45"/>
               <c:delete val="1"/>
-              <c:extLst>
+              <c:extLst xmlns:c16r2="http://schemas.microsoft.com/office/drawing/2015/06/chart">
                 <c:ext xmlns:c15="http://schemas.microsoft.com/office/drawing/2012/chart" uri="{CE6537A1-D6FC-4f65-9D91-7224C49458BB}"/>
                 <c:ext xmlns:c16="http://schemas.microsoft.com/office/drawing/2014/chart" uri="{C3380CC4-5D6E-409C-BE32-E72D297353CC}">
                   <c16:uniqueId val="{00000026-6688-4D74-AA70-7741950AB033}"/>
@@ -2041,7 +2139,7 @@
             <c:dLbl>
               <c:idx val="47"/>
               <c:delete val="1"/>
-              <c:extLst>
+              <c:extLst xmlns:c16r2="http://schemas.microsoft.com/office/drawing/2015/06/chart">
                 <c:ext xmlns:c15="http://schemas.microsoft.com/office/drawing/2012/chart" uri="{CE6537A1-D6FC-4f65-9D91-7224C49458BB}"/>
                 <c:ext xmlns:c16="http://schemas.microsoft.com/office/drawing/2014/chart" uri="{C3380CC4-5D6E-409C-BE32-E72D297353CC}">
                   <c16:uniqueId val="{00000025-6688-4D74-AA70-7741950AB033}"/>
@@ -2051,7 +2149,7 @@
             <c:dLbl>
               <c:idx val="48"/>
               <c:delete val="1"/>
-              <c:extLst>
+              <c:extLst xmlns:c16r2="http://schemas.microsoft.com/office/drawing/2015/06/chart">
                 <c:ext xmlns:c15="http://schemas.microsoft.com/office/drawing/2012/chart" uri="{CE6537A1-D6FC-4f65-9D91-7224C49458BB}"/>
                 <c:ext xmlns:c16="http://schemas.microsoft.com/office/drawing/2014/chart" uri="{C3380CC4-5D6E-409C-BE32-E72D297353CC}">
                   <c16:uniqueId val="{00000024-6688-4D74-AA70-7741950AB033}"/>
@@ -2061,7 +2159,7 @@
             <c:dLbl>
               <c:idx val="50"/>
               <c:delete val="1"/>
-              <c:extLst>
+              <c:extLst xmlns:c16r2="http://schemas.microsoft.com/office/drawing/2015/06/chart">
                 <c:ext xmlns:c15="http://schemas.microsoft.com/office/drawing/2012/chart" uri="{CE6537A1-D6FC-4f65-9D91-7224C49458BB}"/>
                 <c:ext xmlns:c16="http://schemas.microsoft.com/office/drawing/2014/chart" uri="{C3380CC4-5D6E-409C-BE32-E72D297353CC}">
                   <c16:uniqueId val="{00000023-6688-4D74-AA70-7741950AB033}"/>
@@ -2071,7 +2169,7 @@
             <c:dLbl>
               <c:idx val="57"/>
               <c:delete val="1"/>
-              <c:extLst>
+              <c:extLst xmlns:c16r2="http://schemas.microsoft.com/office/drawing/2015/06/chart">
                 <c:ext xmlns:c15="http://schemas.microsoft.com/office/drawing/2012/chart" uri="{CE6537A1-D6FC-4f65-9D91-7224C49458BB}"/>
                 <c:ext xmlns:c16="http://schemas.microsoft.com/office/drawing/2014/chart" uri="{C3380CC4-5D6E-409C-BE32-E72D297353CC}">
                   <c16:uniqueId val="{00000029-6688-4D74-AA70-7741950AB033}"/>
@@ -2081,7 +2179,7 @@
             <c:dLbl>
               <c:idx val="58"/>
               <c:delete val="1"/>
-              <c:extLst>
+              <c:extLst xmlns:c16r2="http://schemas.microsoft.com/office/drawing/2015/06/chart">
                 <c:ext xmlns:c15="http://schemas.microsoft.com/office/drawing/2012/chart" uri="{CE6537A1-D6FC-4f65-9D91-7224C49458BB}"/>
                 <c:ext xmlns:c16="http://schemas.microsoft.com/office/drawing/2014/chart" uri="{C3380CC4-5D6E-409C-BE32-E72D297353CC}">
                   <c16:uniqueId val="{00000028-6688-4D74-AA70-7741950AB033}"/>
@@ -2091,7 +2189,7 @@
             <c:dLbl>
               <c:idx val="60"/>
               <c:delete val="1"/>
-              <c:extLst>
+              <c:extLst xmlns:c16r2="http://schemas.microsoft.com/office/drawing/2015/06/chart">
                 <c:ext xmlns:c15="http://schemas.microsoft.com/office/drawing/2012/chart" uri="{CE6537A1-D6FC-4f65-9D91-7224C49458BB}"/>
                 <c:ext xmlns:c16="http://schemas.microsoft.com/office/drawing/2014/chart" uri="{C3380CC4-5D6E-409C-BE32-E72D297353CC}">
                   <c16:uniqueId val="{00000027-6688-4D74-AA70-7741950AB033}"/>
@@ -2135,7 +2233,7 @@
             <c:showPercent val="0"/>
             <c:showBubbleSize val="0"/>
             <c:showLeaderLines val="0"/>
-            <c:extLst>
+            <c:extLst xmlns:c16r2="http://schemas.microsoft.com/office/drawing/2015/06/chart">
               <c:ext xmlns:c15="http://schemas.microsoft.com/office/drawing/2012/chart" uri="{CE6537A1-D6FC-4f65-9D91-7224C49458BB}">
                 <c15:showLeaderLines val="0"/>
               </c:ext>
@@ -2393,6 +2491,18 @@
                 <c:pt idx="20">
                   <c:v>120</c:v>
                 </c:pt>
+                <c:pt idx="23">
+                  <c:v>130</c:v>
+                </c:pt>
+                <c:pt idx="24">
+                  <c:v>130</c:v>
+                </c:pt>
+                <c:pt idx="25">
+                  <c:v>130</c:v>
+                </c:pt>
+                <c:pt idx="26">
+                  <c:v>130</c:v>
+                </c:pt>
                 <c:pt idx="27">
                   <c:v>140</c:v>
                 </c:pt>
@@ -2410,6 +2520,12 @@
                 </c:pt>
                 <c:pt idx="32">
                   <c:v>140</c:v>
+                </c:pt>
+                <c:pt idx="33">
+                  <c:v>110</c:v>
+                </c:pt>
+                <c:pt idx="34">
+                  <c:v>110</c:v>
                 </c:pt>
                 <c:pt idx="45">
                   <c:v>160</c:v>
@@ -2444,7 +2560,7 @@
               </c:numCache>
             </c:numRef>
           </c:val>
-          <c:extLst>
+          <c:extLst xmlns:c16r2="http://schemas.microsoft.com/office/drawing/2015/06/chart">
             <c:ext xmlns:c16="http://schemas.microsoft.com/office/drawing/2014/chart" uri="{C3380CC4-5D6E-409C-BE32-E72D297353CC}">
               <c16:uniqueId val="{00000001-6688-4D74-AA70-7741950AB033}"/>
             </c:ext>
@@ -2459,8 +2575,8 @@
           <c:showBubbleSize val="0"/>
         </c:dLbls>
         <c:gapWidth val="0"/>
-        <c:axId val="485712576"/>
-        <c:axId val="485706344"/>
+        <c:axId val="163953280"/>
+        <c:axId val="163971456"/>
       </c:barChart>
       <c:lineChart>
         <c:grouping val="standard"/>
@@ -2750,16 +2866,70 @@
                   <c:v>100</c:v>
                 </c:pt>
                 <c:pt idx="17">
+                  <c:v>80</c:v>
+                </c:pt>
+                <c:pt idx="18">
                   <c:v>70</c:v>
                 </c:pt>
-                <c:pt idx="18">
+                <c:pt idx="19">
+                  <c:v>80</c:v>
+                </c:pt>
+                <c:pt idx="20">
+                  <c:v>80</c:v>
+                </c:pt>
+                <c:pt idx="21">
+                  <c:v>90</c:v>
+                </c:pt>
+                <c:pt idx="22">
+                  <c:v>100</c:v>
+                </c:pt>
+                <c:pt idx="23">
+                  <c:v>110</c:v>
+                </c:pt>
+                <c:pt idx="24">
+                  <c:v>110</c:v>
+                </c:pt>
+                <c:pt idx="25">
+                  <c:v>110</c:v>
+                </c:pt>
+                <c:pt idx="26">
+                  <c:v>110</c:v>
+                </c:pt>
+                <c:pt idx="27">
+                  <c:v>100</c:v>
+                </c:pt>
+                <c:pt idx="28">
+                  <c:v>80</c:v>
+                </c:pt>
+                <c:pt idx="29">
+                  <c:v>70</c:v>
+                </c:pt>
+                <c:pt idx="30">
+                  <c:v>80</c:v>
+                </c:pt>
+                <c:pt idx="31">
+                  <c:v>70</c:v>
+                </c:pt>
+                <c:pt idx="32">
+                  <c:v>80</c:v>
+                </c:pt>
+                <c:pt idx="33">
+                  <c:v>90</c:v>
+                </c:pt>
+                <c:pt idx="34">
+                  <c:v>90</c:v>
+                </c:pt>
+                <c:pt idx="35">
+                  <c:v>70</c:v>
+                </c:pt>
+                <c:pt idx="36">
                   <c:v>0</c:v>
                 </c:pt>
               </c:numCache>
             </c:numRef>
           </c:val>
           <c:smooth val="0"/>
-          <c:extLst>
+          <c:extLst xmlns:c16r2="http://schemas.microsoft.com/office/drawing/2015/06/chart">
             <c:ext xmlns:c16="http://schemas.microsoft.com/office/drawing/2014/chart" uri="{C3380CC4-5D6E-409C-BE32-E72D297353CC}">
               <c16:uniqueId val="{00000000-6688-4D74-AA70-7741950AB033}"/>
             </c:ext>
@@ -2805,8 +2975,6 @@
           <c:dPt>
             <c:idx val="9"/>
             <c:marker>
-              <c:symbol val="diamond"/>
-              <c:size val="10"/>
               <c:spPr>
                 <a:solidFill>
                   <a:schemeClr val="accent5">
@@ -2821,7 +2989,7 @@
               </c:spPr>
             </c:marker>
             <c:bubble3D val="0"/>
-            <c:extLst>
+            <c:extLst xmlns:c16r2="http://schemas.microsoft.com/office/drawing/2015/06/chart">
               <c:ext xmlns:c16="http://schemas.microsoft.com/office/drawing/2014/chart" uri="{C3380CC4-5D6E-409C-BE32-E72D297353CC}">
                 <c16:uniqueId val="{00000019-6688-4D74-AA70-7741950AB033}"/>
               </c:ext>
@@ -2830,8 +2998,6 @@
           <c:dPt>
             <c:idx val="15"/>
             <c:marker>
-              <c:symbol val="diamond"/>
-              <c:size val="10"/>
               <c:spPr>
                 <a:solidFill>
                   <a:schemeClr val="accent5">
@@ -2846,7 +3012,7 @@
               </c:spPr>
             </c:marker>
             <c:bubble3D val="0"/>
-            <c:extLst>
+            <c:extLst xmlns:c16r2="http://schemas.microsoft.com/office/drawing/2015/06/chart">
               <c:ext xmlns:c16="http://schemas.microsoft.com/office/drawing/2014/chart" uri="{C3380CC4-5D6E-409C-BE32-E72D297353CC}">
                 <c16:uniqueId val="{0000001A-6688-4D74-AA70-7741950AB033}"/>
               </c:ext>
@@ -2855,8 +3021,6 @@
           <c:dPt>
             <c:idx val="16"/>
             <c:marker>
-              <c:symbol val="diamond"/>
-              <c:size val="10"/>
               <c:spPr>
                 <a:solidFill>
                   <a:schemeClr val="accent5">
@@ -2871,15 +3035,52 @@
               </c:spPr>
             </c:marker>
             <c:bubble3D val="0"/>
-            <c:extLst>
+            <c:extLst xmlns:c16r2="http://schemas.microsoft.com/office/drawing/2015/06/chart">
               <c:ext xmlns:c16="http://schemas.microsoft.com/office/drawing/2014/chart" uri="{C3380CC4-5D6E-409C-BE32-E72D297353CC}">
                 <c16:uniqueId val="{0000001D-6688-4D74-AA70-7741950AB033}"/>
               </c:ext>
             </c:extLst>
           </c:dPt>
+          <c:dPt>
+            <c:idx val="26"/>
+            <c:marker>
+              <c:spPr>
+                <a:solidFill>
+                  <a:schemeClr val="accent5">
+                    <a:lumMod val="60000"/>
+                    <a:lumOff val="40000"/>
+                  </a:schemeClr>
+                </a:solidFill>
+                <a:ln w="9525">
+                  <a:noFill/>
+                </a:ln>
+                <a:effectLst/>
+              </c:spPr>
+            </c:marker>
+            <c:bubble3D val="0"/>
+          </c:dPt>
+          <c:dPt>
+            <c:idx val="34"/>
+            <c:marker>
+              <c:spPr>
+                <a:solidFill>
+                  <a:schemeClr val="accent5">
+                    <a:lumMod val="60000"/>
+                    <a:lumOff val="40000"/>
+                  </a:schemeClr>
+                </a:solidFill>
+                <a:ln w="9525">
+                  <a:noFill/>
+                </a:ln>
+                <a:effectLst/>
+              </c:spPr>
+            </c:marker>
+            <c:bubble3D val="0"/>
+          </c:dPt>
           <c:dLbls>
             <c:dLbl>
               <c:idx val="9"/>
+              <c:layout/>
               <c:spPr>
                 <a:noFill/>
                 <a:ln>
@@ -2916,7 +3117,7 @@
               <c:showSerName val="0"/>
               <c:showPercent val="0"/>
               <c:showBubbleSize val="0"/>
-              <c:extLst>
+              <c:extLst xmlns:c16r2="http://schemas.microsoft.com/office/drawing/2015/06/chart">
                 <c:ext xmlns:c16="http://schemas.microsoft.com/office/drawing/2014/chart" uri="{C3380CC4-5D6E-409C-BE32-E72D297353CC}">
                   <c16:uniqueId val="{00000019-6688-4D74-AA70-7741950AB033}"/>
                 </c:ext>
@@ -2924,6 +3125,7 @@
             </c:dLbl>
             <c:dLbl>
               <c:idx val="16"/>
+              <c:layout/>
               <c:spPr>
                 <a:noFill/>
                 <a:ln>
@@ -2960,11 +3162,89 @@
               <c:showSerName val="0"/>
               <c:showPercent val="0"/>
               <c:showBubbleSize val="0"/>
-              <c:extLst>
+              <c:extLst xmlns:c16r2="http://schemas.microsoft.com/office/drawing/2015/06/chart">
                 <c:ext xmlns:c16="http://schemas.microsoft.com/office/drawing/2014/chart" uri="{C3380CC4-5D6E-409C-BE32-E72D297353CC}">
                   <c16:uniqueId val="{0000001D-6688-4D74-AA70-7741950AB033}"/>
                 </c:ext>
               </c:extLst>
+            </c:dLbl>
+            <c:dLbl>
+              <c:idx val="26"/>
+              <c:spPr>
+                <a:noFill/>
+                <a:ln>
+                  <a:noFill/>
+                </a:ln>
+                <a:effectLst/>
+              </c:spPr>
+              <c:txPr>
+                <a:bodyPr rot="0" spcFirstLastPara="1" vertOverflow="ellipsis" vert="horz" wrap="square" lIns="38100" tIns="19050" rIns="38100" bIns="19050" anchor="ctr" anchorCtr="1">
+                  <a:spAutoFit/>
+                </a:bodyPr>
+                <a:lstStyle/>
+                <a:p>
+                  <a:pPr>
+                    <a:defRPr sz="1050" b="0" i="0" u="none" strike="noStrike" kern="1200" baseline="0">
+                      <a:solidFill>
+                        <a:schemeClr val="accent5">
+                          <a:lumMod val="60000"/>
+                          <a:lumOff val="40000"/>
+                        </a:schemeClr>
+                      </a:solidFill>
+                      <a:latin typeface="+mn-lt"/>
+                      <a:ea typeface="+mn-ea"/>
+                      <a:cs typeface="+mn-cs"/>
+                    </a:defRPr>
+                  </a:pPr>
+                  <a:endParaRPr lang="zh-CN"/>
+                </a:p>
+              </c:txPr>
+              <c:dLblPos val="t"/>
+              <c:showLegendKey val="0"/>
+              <c:showVal val="1"/>
+              <c:showCatName val="0"/>
+              <c:showSerName val="0"/>
+              <c:showPercent val="0"/>
+              <c:showBubbleSize val="0"/>
+            </c:dLbl>
+            <c:dLbl>
+              <c:idx val="34"/>
+              <c:spPr>
+                <a:noFill/>
+                <a:ln>
+                  <a:noFill/>
+                </a:ln>
+                <a:effectLst/>
+              </c:spPr>
+              <c:txPr>
+                <a:bodyPr rot="0" spcFirstLastPara="1" vertOverflow="ellipsis" vert="horz" wrap="square" lIns="38100" tIns="19050" rIns="38100" bIns="19050" anchor="ctr" anchorCtr="1">
+                  <a:spAutoFit/>
+                </a:bodyPr>
+                <a:lstStyle/>
+                <a:p>
+                  <a:pPr>
+                    <a:defRPr sz="1050" b="0" i="0" u="none" strike="noStrike" kern="1200" baseline="0">
+                      <a:solidFill>
+                        <a:schemeClr val="accent5">
+                          <a:lumMod val="60000"/>
+                          <a:lumOff val="40000"/>
+                        </a:schemeClr>
+                      </a:solidFill>
+                      <a:latin typeface="+mn-lt"/>
+                      <a:ea typeface="+mn-ea"/>
+                      <a:cs typeface="+mn-cs"/>
+                    </a:defRPr>
+                  </a:pPr>
+                  <a:endParaRPr lang="zh-CN"/>
+                </a:p>
+              </c:txPr>
+              <c:dLblPos val="t"/>
+              <c:showLegendKey val="0"/>
+              <c:showVal val="1"/>
+              <c:showCatName val="0"/>
+              <c:showSerName val="0"/>
+              <c:showPercent val="0"/>
+              <c:showBubbleSize val="0"/>
             </c:dLbl>
             <c:spPr>
               <a:noFill/>
@@ -3005,7 +3285,7 @@
             <c:separator>
 </c:separator>
             <c:showLeaderLines val="0"/>
-            <c:extLst>
+            <c:extLst xmlns:c16r2="http://schemas.microsoft.com/office/drawing/2015/06/chart">
               <c:ext xmlns:c15="http://schemas.microsoft.com/office/drawing/2012/chart" uri="{CE6537A1-D6FC-4f65-9D91-7224C49458BB}">
                 <c15:showLeaderLines val="0"/>
               </c:ext>
@@ -3230,8 +3510,14 @@
                 <c:pt idx="20">
                   <c:v>100</c:v>
                 </c:pt>
+                <c:pt idx="26">
+                  <c:v>110</c:v>
+                </c:pt>
                 <c:pt idx="32">
                   <c:v>120</c:v>
+                </c:pt>
+                <c:pt idx="34">
+                  <c:v>90</c:v>
                 </c:pt>
                 <c:pt idx="50">
                   <c:v>140</c:v>
@@ -3243,7 +3529,7 @@
             </c:numRef>
           </c:val>
           <c:smooth val="0"/>
-          <c:extLst>
+          <c:extLst xmlns:c16r2="http://schemas.microsoft.com/office/drawing/2015/06/chart">
             <c:ext xmlns:c16="http://schemas.microsoft.com/office/drawing/2014/chart" uri="{C3380CC4-5D6E-409C-BE32-E72D297353CC}">
               <c16:uniqueId val="{00000002-6688-4D74-AA70-7741950AB033}"/>
             </c:ext>
@@ -3678,7 +3964,7 @@
             </c:numRef>
           </c:val>
           <c:smooth val="0"/>
-          <c:extLst>
+          <c:extLst xmlns:c16r2="http://schemas.microsoft.com/office/drawing/2015/06/chart">
             <c:ext xmlns:c16="http://schemas.microsoft.com/office/drawing/2014/chart" uri="{C3380CC4-5D6E-409C-BE32-E72D297353CC}">
               <c16:uniqueId val="{00000005-6688-4D74-AA70-7741950AB033}"/>
             </c:ext>
@@ -3694,11 +3980,11 @@
         </c:dLbls>
         <c:marker val="1"/>
         <c:smooth val="0"/>
-        <c:axId val="485712576"/>
-        <c:axId val="485706344"/>
+        <c:axId val="163953280"/>
+        <c:axId val="163971456"/>
       </c:lineChart>
       <c:catAx>
-        <c:axId val="485712576"/>
+        <c:axId val="163953280"/>
         <c:scaling>
           <c:orientation val="minMax"/>
         </c:scaling>
@@ -3741,7 +4027,7 @@
             <a:endParaRPr lang="zh-CN"/>
           </a:p>
         </c:txPr>
-        <c:crossAx val="485706344"/>
+        <c:crossAx val="163971456"/>
         <c:crosses val="autoZero"/>
         <c:auto val="0"/>
         <c:lblAlgn val="ctr"/>
@@ -3751,7 +4037,7 @@
         <c:noMultiLvlLbl val="0"/>
       </c:catAx>
       <c:valAx>
-        <c:axId val="485706344"/>
+        <c:axId val="163971456"/>
         <c:scaling>
           <c:orientation val="minMax"/>
           <c:max val="160"/>
@@ -3777,7 +4063,7 @@
         <c:majorTickMark val="none"/>
         <c:minorTickMark val="none"/>
         <c:tickLblPos val="nextTo"/>
-        <c:crossAx val="485712576"/>
+        <c:crossAx val="163953280"/>
         <c:crosses val="autoZero"/>
         <c:crossBetween val="midCat"/>
         <c:majorUnit val="15"/>
@@ -3792,14 +4078,14 @@
     </c:plotArea>
     <c:plotVisOnly val="1"/>
     <c:dispBlanksAs val="gap"/>
-    <c:extLst>
+    <c:showDLblsOverMax val="0"/>
+    <c:extLst xmlns:c16r2="http://schemas.microsoft.com/office/drawing/2015/06/chart">
       <c:ext xmlns:c16r3="http://schemas.microsoft.com/office/drawing/2017/03/chart" uri="{56B9EC1D-385E-4148-901F-78D8002777C0}">
         <c16r3:dataDisplayOptions16>
           <c16r3:dispNaAsBlank val="1"/>
         </c16r3:dataDisplayOptions16>
       </c:ext>
     </c:extLst>
-    <c:showDLblsOverMax val="0"/>
   </c:chart>
   <c:spPr>
     <a:noFill/>
@@ -3818,14 +4104,14 @@
       <a:endParaRPr lang="zh-CN"/>
     </a:p>
   </c:txPr>
-  <c:externalData r:id="rId3">
+  <c:externalData r:id="rId1">
     <c:autoUpdate val="0"/>
   </c:externalData>
 </c:chartSpace>
 </file>
 
 <file path=ppt/charts/chart4.xml><?xml version="1.0" encoding="utf-8"?>
-<c:chartSpace xmlns:c="http://schemas.openxmlformats.org/drawingml/2006/chart" xmlns:a="http://schemas.openxmlformats.org/drawingml/2006/main" xmlns:r="http://schemas.openxmlformats.org/officeDocument/2006/relationships" xmlns:c16r2="http://schemas.microsoft.com/office/drawing/2015/06/chart">
+<c:chartSpace xmlns:c="http://schemas.openxmlformats.org/drawingml/2006/chart" xmlns:a="http://schemas.openxmlformats.org/drawingml/2006/main" xmlns:r="http://schemas.openxmlformats.org/officeDocument/2006/relationships">
   <c:date1904 val="0"/>
   <c:lang val="zh-CN"/>
   <c:roundedCorners val="0"/>
@@ -3884,7 +4170,7 @@
               </a:ln>
               <a:effectLst/>
             </c:spPr>
-            <c:extLst>
+            <c:extLst xmlns:c16r2="http://schemas.microsoft.com/office/drawing/2015/06/chart">
               <c:ext xmlns:c16="http://schemas.microsoft.com/office/drawing/2014/chart" uri="{C3380CC4-5D6E-409C-BE32-E72D297353CC}">
                 <c16:uniqueId val="{00000008-D7FF-486C-8939-41451A005DD2}"/>
               </c:ext>
@@ -3905,7 +4191,7 @@
               </a:ln>
               <a:effectLst/>
             </c:spPr>
-            <c:extLst>
+            <c:extLst xmlns:c16r2="http://schemas.microsoft.com/office/drawing/2015/06/chart">
               <c:ext xmlns:c16="http://schemas.microsoft.com/office/drawing/2014/chart" uri="{C3380CC4-5D6E-409C-BE32-E72D297353CC}">
                 <c16:uniqueId val="{00000004-D7FF-486C-8939-41451A005DD2}"/>
               </c:ext>
@@ -3926,7 +4212,7 @@
               </a:ln>
               <a:effectLst/>
             </c:spPr>
-            <c:extLst>
+            <c:extLst xmlns:c16r2="http://schemas.microsoft.com/office/drawing/2015/06/chart">
               <c:ext xmlns:c16="http://schemas.microsoft.com/office/drawing/2014/chart" uri="{C3380CC4-5D6E-409C-BE32-E72D297353CC}">
                 <c16:uniqueId val="{00000006-D7FF-486C-8939-41451A005DD2}"/>
               </c:ext>
@@ -3947,7 +4233,7 @@
               </a:ln>
               <a:effectLst/>
             </c:spPr>
-            <c:extLst>
+            <c:extLst xmlns:c16r2="http://schemas.microsoft.com/office/drawing/2015/06/chart">
               <c:ext xmlns:c16="http://schemas.microsoft.com/office/drawing/2014/chart" uri="{C3380CC4-5D6E-409C-BE32-E72D297353CC}">
                 <c16:uniqueId val="{00000005-D7FF-486C-8939-41451A005DD2}"/>
               </c:ext>
@@ -3968,7 +4254,7 @@
               </a:ln>
               <a:effectLst/>
             </c:spPr>
-            <c:extLst>
+            <c:extLst xmlns:c16r2="http://schemas.microsoft.com/office/drawing/2015/06/chart">
               <c:ext xmlns:c16="http://schemas.microsoft.com/office/drawing/2014/chart" uri="{C3380CC4-5D6E-409C-BE32-E72D297353CC}">
                 <c16:uniqueId val="{00000009-D7FF-486C-8939-41451A005DD2}"/>
               </c:ext>
@@ -3989,7 +4275,7 @@
               </a:ln>
               <a:effectLst/>
             </c:spPr>
-            <c:extLst>
+            <c:extLst xmlns:c16r2="http://schemas.microsoft.com/office/drawing/2015/06/chart">
               <c:ext xmlns:c16="http://schemas.microsoft.com/office/drawing/2014/chart" uri="{C3380CC4-5D6E-409C-BE32-E72D297353CC}">
                 <c16:uniqueId val="{00000007-D7FF-486C-8939-41451A005DD2}"/>
               </c:ext>
@@ -4010,7 +4296,7 @@
               </a:ln>
               <a:effectLst/>
             </c:spPr>
-            <c:extLst>
+            <c:extLst xmlns:c16r2="http://schemas.microsoft.com/office/drawing/2015/06/chart">
               <c:ext xmlns:c16="http://schemas.microsoft.com/office/drawing/2014/chart" uri="{C3380CC4-5D6E-409C-BE32-E72D297353CC}">
                 <c16:uniqueId val="{0000000A-D7FF-486C-8939-41451A005DD2}"/>
               </c:ext>
@@ -4054,7 +4340,7 @@
             <c:showPercent val="0"/>
             <c:showBubbleSize val="0"/>
             <c:showLeaderLines val="0"/>
-            <c:extLst>
+            <c:extLst xmlns:c16r2="http://schemas.microsoft.com/office/drawing/2015/06/chart">
               <c:ext xmlns:c15="http://schemas.microsoft.com/office/drawing/2012/chart" uri="{CE6537A1-D6FC-4f65-9D91-7224C49458BB}">
                 <c15:showLeaderLines val="0"/>
               </c:ext>
@@ -4174,7 +4460,7 @@
               </c:numCache>
             </c:numRef>
           </c:val>
-          <c:extLst>
+          <c:extLst xmlns:c16r2="http://schemas.microsoft.com/office/drawing/2015/06/chart">
             <c:ext xmlns:c16="http://schemas.microsoft.com/office/drawing/2014/chart" uri="{C3380CC4-5D6E-409C-BE32-E72D297353CC}">
               <c16:uniqueId val="{00000003-D7FF-486C-8939-41451A005DD2}"/>
             </c:ext>
@@ -4189,8 +4475,8 @@
           <c:showBubbleSize val="0"/>
         </c:dLbls>
         <c:gapWidth val="50"/>
-        <c:axId val="566360024"/>
-        <c:axId val="566364288"/>
+        <c:axId val="164215808"/>
+        <c:axId val="164233984"/>
       </c:barChart>
       <c:lineChart>
         <c:grouping val="standard"/>
@@ -4354,7 +4640,7 @@
             </c:numRef>
           </c:val>
           <c:smooth val="0"/>
-          <c:extLst>
+          <c:extLst xmlns:c16r2="http://schemas.microsoft.com/office/drawing/2015/06/chart">
             <c:ext xmlns:c16="http://schemas.microsoft.com/office/drawing/2014/chart" uri="{C3380CC4-5D6E-409C-BE32-E72D297353CC}">
               <c16:uniqueId val="{00000000-D7FF-486C-8939-41451A005DD2}"/>
             </c:ext>
@@ -4528,7 +4814,7 @@
             </c:numRef>
           </c:val>
           <c:smooth val="0"/>
-          <c:extLst>
+          <c:extLst xmlns:c16r2="http://schemas.microsoft.com/office/drawing/2015/06/chart">
             <c:ext xmlns:c16="http://schemas.microsoft.com/office/drawing/2014/chart" uri="{C3380CC4-5D6E-409C-BE32-E72D297353CC}">
               <c16:uniqueId val="{00000001-D7FF-486C-8939-41451A005DD2}"/>
             </c:ext>
@@ -4729,7 +5015,7 @@
             </c:numRef>
           </c:val>
           <c:smooth val="0"/>
-          <c:extLst>
+          <c:extLst xmlns:c16r2="http://schemas.microsoft.com/office/drawing/2015/06/chart">
             <c:ext xmlns:c16="http://schemas.microsoft.com/office/drawing/2014/chart" uri="{C3380CC4-5D6E-409C-BE32-E72D297353CC}">
               <c16:uniqueId val="{00000002-D7FF-486C-8939-41451A005DD2}"/>
             </c:ext>
@@ -4772,8 +5058,6 @@
           <c:dPt>
             <c:idx val="1"/>
             <c:marker>
-              <c:symbol val="diamond"/>
-              <c:size val="10"/>
               <c:spPr>
                 <a:noFill/>
                 <a:ln w="9525">
@@ -4783,7 +5067,7 @@
               </c:spPr>
             </c:marker>
             <c:bubble3D val="0"/>
-            <c:extLst>
+            <c:extLst xmlns:c16r2="http://schemas.microsoft.com/office/drawing/2015/06/chart">
               <c:ext xmlns:c16="http://schemas.microsoft.com/office/drawing/2014/chart" uri="{C3380CC4-5D6E-409C-BE32-E72D297353CC}">
                 <c16:uniqueId val="{00000016-D7FF-486C-8939-41451A005DD2}"/>
               </c:ext>
@@ -4792,8 +5076,6 @@
           <c:dPt>
             <c:idx val="2"/>
             <c:marker>
-              <c:symbol val="diamond"/>
-              <c:size val="10"/>
               <c:spPr>
                 <a:noFill/>
                 <a:ln w="9525">
@@ -4803,7 +5085,7 @@
               </c:spPr>
             </c:marker>
             <c:bubble3D val="0"/>
-            <c:extLst>
+            <c:extLst xmlns:c16r2="http://schemas.microsoft.com/office/drawing/2015/06/chart">
               <c:ext xmlns:c16="http://schemas.microsoft.com/office/drawing/2014/chart" uri="{C3380CC4-5D6E-409C-BE32-E72D297353CC}">
                 <c16:uniqueId val="{00000017-D7FF-486C-8939-41451A005DD2}"/>
               </c:ext>
@@ -4812,8 +5094,6 @@
           <c:dPt>
             <c:idx val="3"/>
             <c:marker>
-              <c:symbol val="diamond"/>
-              <c:size val="10"/>
               <c:spPr>
                 <a:noFill/>
                 <a:ln w="9525">
@@ -4823,7 +5103,7 @@
               </c:spPr>
             </c:marker>
             <c:bubble3D val="0"/>
-            <c:extLst>
+            <c:extLst xmlns:c16r2="http://schemas.microsoft.com/office/drawing/2015/06/chart">
               <c:ext xmlns:c16="http://schemas.microsoft.com/office/drawing/2014/chart" uri="{C3380CC4-5D6E-409C-BE32-E72D297353CC}">
                 <c16:uniqueId val="{00000015-D7FF-486C-8939-41451A005DD2}"/>
               </c:ext>
@@ -4832,8 +5112,6 @@
           <c:dPt>
             <c:idx val="4"/>
             <c:marker>
-              <c:symbol val="diamond"/>
-              <c:size val="10"/>
               <c:spPr>
                 <a:noFill/>
                 <a:ln w="9525">
@@ -4843,7 +5121,7 @@
               </c:spPr>
             </c:marker>
             <c:bubble3D val="0"/>
-            <c:extLst>
+            <c:extLst xmlns:c16r2="http://schemas.microsoft.com/office/drawing/2015/06/chart">
               <c:ext xmlns:c16="http://schemas.microsoft.com/office/drawing/2014/chart" uri="{C3380CC4-5D6E-409C-BE32-E72D297353CC}">
                 <c16:uniqueId val="{00000014-D7FF-486C-8939-41451A005DD2}"/>
               </c:ext>
@@ -4852,8 +5130,6 @@
           <c:dPt>
             <c:idx val="5"/>
             <c:marker>
-              <c:symbol val="diamond"/>
-              <c:size val="10"/>
               <c:spPr>
                 <a:solidFill>
                   <a:schemeClr val="accent3">
@@ -4868,7 +5144,7 @@
               </c:spPr>
             </c:marker>
             <c:bubble3D val="0"/>
-            <c:extLst>
+            <c:extLst xmlns:c16r2="http://schemas.microsoft.com/office/drawing/2015/06/chart">
               <c:ext xmlns:c16="http://schemas.microsoft.com/office/drawing/2014/chart" uri="{C3380CC4-5D6E-409C-BE32-E72D297353CC}">
                 <c16:uniqueId val="{0000000D-D7FF-486C-8939-41451A005DD2}"/>
               </c:ext>
@@ -4877,8 +5153,6 @@
           <c:dPt>
             <c:idx val="6"/>
             <c:marker>
-              <c:symbol val="diamond"/>
-              <c:size val="10"/>
               <c:spPr>
                 <a:solidFill>
                   <a:schemeClr val="accent1">
@@ -4893,7 +5167,7 @@
               </c:spPr>
             </c:marker>
             <c:bubble3D val="0"/>
-            <c:extLst>
+            <c:extLst xmlns:c16r2="http://schemas.microsoft.com/office/drawing/2015/06/chart">
               <c:ext xmlns:c16="http://schemas.microsoft.com/office/drawing/2014/chart" uri="{C3380CC4-5D6E-409C-BE32-E72D297353CC}">
                 <c16:uniqueId val="{0000000E-D7FF-486C-8939-41451A005DD2}"/>
               </c:ext>
@@ -4902,8 +5176,6 @@
           <c:dPt>
             <c:idx val="7"/>
             <c:marker>
-              <c:symbol val="diamond"/>
-              <c:size val="10"/>
               <c:spPr>
                 <a:noFill/>
                 <a:ln w="9525">
@@ -4913,7 +5185,7 @@
               </c:spPr>
             </c:marker>
             <c:bubble3D val="0"/>
-            <c:extLst>
+            <c:extLst xmlns:c16r2="http://schemas.microsoft.com/office/drawing/2015/06/chart">
               <c:ext xmlns:c16="http://schemas.microsoft.com/office/drawing/2014/chart" uri="{C3380CC4-5D6E-409C-BE32-E72D297353CC}">
                 <c16:uniqueId val="{00000018-D7FF-486C-8939-41451A005DD2}"/>
               </c:ext>
@@ -4922,8 +5194,6 @@
           <c:dPt>
             <c:idx val="8"/>
             <c:marker>
-              <c:symbol val="diamond"/>
-              <c:size val="10"/>
               <c:spPr>
                 <a:noFill/>
                 <a:ln w="9525">
@@ -4933,7 +5203,7 @@
               </c:spPr>
             </c:marker>
             <c:bubble3D val="0"/>
-            <c:extLst>
+            <c:extLst xmlns:c16r2="http://schemas.microsoft.com/office/drawing/2015/06/chart">
               <c:ext xmlns:c16="http://schemas.microsoft.com/office/drawing/2014/chart" uri="{C3380CC4-5D6E-409C-BE32-E72D297353CC}">
                 <c16:uniqueId val="{00000019-D7FF-486C-8939-41451A005DD2}"/>
               </c:ext>
@@ -4942,8 +5212,6 @@
           <c:dPt>
             <c:idx val="9"/>
             <c:marker>
-              <c:symbol val="diamond"/>
-              <c:size val="10"/>
               <c:spPr>
                 <a:solidFill>
                   <a:schemeClr val="accent2">
@@ -4958,7 +5226,7 @@
               </c:spPr>
             </c:marker>
             <c:bubble3D val="0"/>
-            <c:extLst>
+            <c:extLst xmlns:c16r2="http://schemas.microsoft.com/office/drawing/2015/06/chart">
               <c:ext xmlns:c16="http://schemas.microsoft.com/office/drawing/2014/chart" uri="{C3380CC4-5D6E-409C-BE32-E72D297353CC}">
                 <c16:uniqueId val="{0000000F-D7FF-486C-8939-41451A005DD2}"/>
               </c:ext>
@@ -4967,8 +5235,6 @@
           <c:dPt>
             <c:idx val="10"/>
             <c:marker>
-              <c:symbol val="diamond"/>
-              <c:size val="10"/>
               <c:spPr>
                 <a:solidFill>
                   <a:schemeClr val="accent1">
@@ -4983,7 +5249,7 @@
               </c:spPr>
             </c:marker>
             <c:bubble3D val="0"/>
-            <c:extLst>
+            <c:extLst xmlns:c16r2="http://schemas.microsoft.com/office/drawing/2015/06/chart">
               <c:ext xmlns:c16="http://schemas.microsoft.com/office/drawing/2014/chart" uri="{C3380CC4-5D6E-409C-BE32-E72D297353CC}">
                 <c16:uniqueId val="{00000010-D7FF-486C-8939-41451A005DD2}"/>
               </c:ext>
@@ -4992,8 +5258,6 @@
           <c:dPt>
             <c:idx val="11"/>
             <c:marker>
-              <c:symbol val="diamond"/>
-              <c:size val="10"/>
               <c:spPr>
                 <a:noFill/>
                 <a:ln w="9525">
@@ -5003,7 +5267,7 @@
               </c:spPr>
             </c:marker>
             <c:bubble3D val="0"/>
-            <c:extLst>
+            <c:extLst xmlns:c16r2="http://schemas.microsoft.com/office/drawing/2015/06/chart">
               <c:ext xmlns:c16="http://schemas.microsoft.com/office/drawing/2014/chart" uri="{C3380CC4-5D6E-409C-BE32-E72D297353CC}">
                 <c16:uniqueId val="{0000001A-D7FF-486C-8939-41451A005DD2}"/>
               </c:ext>
@@ -5012,8 +5276,6 @@
           <c:dPt>
             <c:idx val="12"/>
             <c:marker>
-              <c:symbol val="diamond"/>
-              <c:size val="10"/>
               <c:spPr>
                 <a:solidFill>
                   <a:schemeClr val="accent3">
@@ -5028,7 +5290,7 @@
               </c:spPr>
             </c:marker>
             <c:bubble3D val="0"/>
-            <c:extLst>
+            <c:extLst xmlns:c16r2="http://schemas.microsoft.com/office/drawing/2015/06/chart">
               <c:ext xmlns:c16="http://schemas.microsoft.com/office/drawing/2014/chart" uri="{C3380CC4-5D6E-409C-BE32-E72D297353CC}">
                 <c16:uniqueId val="{00000011-D7FF-486C-8939-41451A005DD2}"/>
               </c:ext>
@@ -5037,8 +5299,6 @@
           <c:dPt>
             <c:idx val="13"/>
             <c:marker>
-              <c:symbol val="diamond"/>
-              <c:size val="10"/>
               <c:spPr>
                 <a:solidFill>
                   <a:schemeClr val="accent2">
@@ -5053,7 +5313,7 @@
               </c:spPr>
             </c:marker>
             <c:bubble3D val="0"/>
-            <c:extLst>
+            <c:extLst xmlns:c16r2="http://schemas.microsoft.com/office/drawing/2015/06/chart">
               <c:ext xmlns:c16="http://schemas.microsoft.com/office/drawing/2014/chart" uri="{C3380CC4-5D6E-409C-BE32-E72D297353CC}">
                 <c16:uniqueId val="{00000012-D7FF-486C-8939-41451A005DD2}"/>
               </c:ext>
@@ -5062,8 +5322,6 @@
           <c:dPt>
             <c:idx val="14"/>
             <c:marker>
-              <c:symbol val="diamond"/>
-              <c:size val="10"/>
               <c:spPr>
                 <a:noFill/>
                 <a:ln w="9525">
@@ -5073,7 +5331,7 @@
               </c:spPr>
             </c:marker>
             <c:bubble3D val="0"/>
-            <c:extLst>
+            <c:extLst xmlns:c16r2="http://schemas.microsoft.com/office/drawing/2015/06/chart">
               <c:ext xmlns:c16="http://schemas.microsoft.com/office/drawing/2014/chart" uri="{C3380CC4-5D6E-409C-BE32-E72D297353CC}">
                 <c16:uniqueId val="{0000001B-D7FF-486C-8939-41451A005DD2}"/>
               </c:ext>
@@ -5082,8 +5340,6 @@
           <c:dPt>
             <c:idx val="15"/>
             <c:marker>
-              <c:symbol val="diamond"/>
-              <c:size val="10"/>
               <c:spPr>
                 <a:noFill/>
                 <a:ln w="9525">
@@ -5093,7 +5349,7 @@
               </c:spPr>
             </c:marker>
             <c:bubble3D val="0"/>
-            <c:extLst>
+            <c:extLst xmlns:c16r2="http://schemas.microsoft.com/office/drawing/2015/06/chart">
               <c:ext xmlns:c16="http://schemas.microsoft.com/office/drawing/2014/chart" uri="{C3380CC4-5D6E-409C-BE32-E72D297353CC}">
                 <c16:uniqueId val="{0000001C-D7FF-486C-8939-41451A005DD2}"/>
               </c:ext>
@@ -5102,8 +5358,6 @@
           <c:dPt>
             <c:idx val="16"/>
             <c:marker>
-              <c:symbol val="diamond"/>
-              <c:size val="10"/>
               <c:spPr>
                 <a:noFill/>
                 <a:ln w="9525">
@@ -5113,7 +5367,7 @@
               </c:spPr>
             </c:marker>
             <c:bubble3D val="0"/>
-            <c:extLst>
+            <c:extLst xmlns:c16r2="http://schemas.microsoft.com/office/drawing/2015/06/chart">
               <c:ext xmlns:c16="http://schemas.microsoft.com/office/drawing/2014/chart" uri="{C3380CC4-5D6E-409C-BE32-E72D297353CC}">
                 <c16:uniqueId val="{0000001D-D7FF-486C-8939-41451A005DD2}"/>
               </c:ext>
@@ -5122,8 +5376,6 @@
           <c:dPt>
             <c:idx val="17"/>
             <c:marker>
-              <c:symbol val="diamond"/>
-              <c:size val="10"/>
               <c:spPr>
                 <a:noFill/>
                 <a:ln w="9525">
@@ -5133,7 +5385,7 @@
               </c:spPr>
             </c:marker>
             <c:bubble3D val="0"/>
-            <c:extLst>
+            <c:extLst xmlns:c16r2="http://schemas.microsoft.com/office/drawing/2015/06/chart">
               <c:ext xmlns:c16="http://schemas.microsoft.com/office/drawing/2014/chart" uri="{C3380CC4-5D6E-409C-BE32-E72D297353CC}">
                 <c16:uniqueId val="{0000001E-D7FF-486C-8939-41451A005DD2}"/>
               </c:ext>
@@ -5142,8 +5394,6 @@
           <c:dPt>
             <c:idx val="18"/>
             <c:marker>
-              <c:symbol val="diamond"/>
-              <c:size val="10"/>
               <c:spPr>
                 <a:noFill/>
                 <a:ln w="9525">
@@ -5153,7 +5403,7 @@
               </c:spPr>
             </c:marker>
             <c:bubble3D val="0"/>
-            <c:extLst>
+            <c:extLst xmlns:c16r2="http://schemas.microsoft.com/office/drawing/2015/06/chart">
               <c:ext xmlns:c16="http://schemas.microsoft.com/office/drawing/2014/chart" uri="{C3380CC4-5D6E-409C-BE32-E72D297353CC}">
                 <c16:uniqueId val="{0000001F-D7FF-486C-8939-41451A005DD2}"/>
               </c:ext>
@@ -5162,8 +5412,6 @@
           <c:dPt>
             <c:idx val="19"/>
             <c:marker>
-              <c:symbol val="diamond"/>
-              <c:size val="10"/>
               <c:spPr>
                 <a:noFill/>
                 <a:ln w="9525">
@@ -5173,7 +5421,7 @@
               </c:spPr>
             </c:marker>
             <c:bubble3D val="0"/>
-            <c:extLst>
+            <c:extLst xmlns:c16r2="http://schemas.microsoft.com/office/drawing/2015/06/chart">
               <c:ext xmlns:c16="http://schemas.microsoft.com/office/drawing/2014/chart" uri="{C3380CC4-5D6E-409C-BE32-E72D297353CC}">
                 <c16:uniqueId val="{00000020-D7FF-486C-8939-41451A005DD2}"/>
               </c:ext>
@@ -5182,8 +5430,6 @@
           <c:dPt>
             <c:idx val="20"/>
             <c:marker>
-              <c:symbol val="diamond"/>
-              <c:size val="10"/>
               <c:spPr>
                 <a:noFill/>
                 <a:ln w="9525">
@@ -5193,7 +5439,7 @@
               </c:spPr>
             </c:marker>
             <c:bubble3D val="0"/>
-            <c:extLst>
+            <c:extLst xmlns:c16r2="http://schemas.microsoft.com/office/drawing/2015/06/chart">
               <c:ext xmlns:c16="http://schemas.microsoft.com/office/drawing/2014/chart" uri="{C3380CC4-5D6E-409C-BE32-E72D297353CC}">
                 <c16:uniqueId val="{00000021-D7FF-486C-8939-41451A005DD2}"/>
               </c:ext>
@@ -5202,8 +5448,6 @@
           <c:dPt>
             <c:idx val="21"/>
             <c:marker>
-              <c:symbol val="diamond"/>
-              <c:size val="10"/>
               <c:spPr>
                 <a:noFill/>
                 <a:ln w="9525">
@@ -5213,7 +5457,7 @@
               </c:spPr>
             </c:marker>
             <c:bubble3D val="0"/>
-            <c:extLst>
+            <c:extLst xmlns:c16r2="http://schemas.microsoft.com/office/drawing/2015/06/chart">
               <c:ext xmlns:c16="http://schemas.microsoft.com/office/drawing/2014/chart" uri="{C3380CC4-5D6E-409C-BE32-E72D297353CC}">
                 <c16:uniqueId val="{00000022-D7FF-486C-8939-41451A005DD2}"/>
               </c:ext>
@@ -5222,8 +5466,6 @@
           <c:dPt>
             <c:idx val="22"/>
             <c:marker>
-              <c:symbol val="diamond"/>
-              <c:size val="10"/>
               <c:spPr>
                 <a:solidFill>
                   <a:schemeClr val="accent3">
@@ -5238,7 +5480,7 @@
               </c:spPr>
             </c:marker>
             <c:bubble3D val="0"/>
-            <c:extLst>
+            <c:extLst xmlns:c16r2="http://schemas.microsoft.com/office/drawing/2015/06/chart">
               <c:ext xmlns:c16="http://schemas.microsoft.com/office/drawing/2014/chart" uri="{C3380CC4-5D6E-409C-BE32-E72D297353CC}">
                 <c16:uniqueId val="{00000013-D7FF-486C-8939-41451A005DD2}"/>
               </c:ext>
@@ -5247,8 +5489,6 @@
           <c:dPt>
             <c:idx val="23"/>
             <c:marker>
-              <c:symbol val="diamond"/>
-              <c:size val="10"/>
               <c:spPr>
                 <a:noFill/>
                 <a:ln w="9525">
@@ -5258,7 +5498,7 @@
               </c:spPr>
             </c:marker>
             <c:bubble3D val="0"/>
-            <c:extLst>
+            <c:extLst xmlns:c16r2="http://schemas.microsoft.com/office/drawing/2015/06/chart">
               <c:ext xmlns:c16="http://schemas.microsoft.com/office/drawing/2014/chart" uri="{C3380CC4-5D6E-409C-BE32-E72D297353CC}">
                 <c16:uniqueId val="{00000023-D7FF-486C-8939-41451A005DD2}"/>
               </c:ext>
@@ -5267,8 +5507,6 @@
           <c:dPt>
             <c:idx val="24"/>
             <c:marker>
-              <c:symbol val="diamond"/>
-              <c:size val="10"/>
               <c:spPr>
                 <a:noFill/>
                 <a:ln w="9525">
@@ -5278,7 +5516,7 @@
               </c:spPr>
             </c:marker>
             <c:bubble3D val="0"/>
-            <c:extLst>
+            <c:extLst xmlns:c16r2="http://schemas.microsoft.com/office/drawing/2015/06/chart">
               <c:ext xmlns:c16="http://schemas.microsoft.com/office/drawing/2014/chart" uri="{C3380CC4-5D6E-409C-BE32-E72D297353CC}">
                 <c16:uniqueId val="{00000024-D7FF-486C-8939-41451A005DD2}"/>
               </c:ext>
@@ -5288,7 +5526,7 @@
             <c:dLbl>
               <c:idx val="1"/>
               <c:delete val="1"/>
-              <c:extLst>
+              <c:extLst xmlns:c16r2="http://schemas.microsoft.com/office/drawing/2015/06/chart">
                 <c:ext xmlns:c15="http://schemas.microsoft.com/office/drawing/2012/chart" uri="{CE6537A1-D6FC-4f65-9D91-7224C49458BB}"/>
                 <c:ext xmlns:c16="http://schemas.microsoft.com/office/drawing/2014/chart" uri="{C3380CC4-5D6E-409C-BE32-E72D297353CC}">
                   <c16:uniqueId val="{00000016-D7FF-486C-8939-41451A005DD2}"/>
@@ -5298,7 +5536,7 @@
             <c:dLbl>
               <c:idx val="2"/>
               <c:delete val="1"/>
-              <c:extLst>
+              <c:extLst xmlns:c16r2="http://schemas.microsoft.com/office/drawing/2015/06/chart">
                 <c:ext xmlns:c15="http://schemas.microsoft.com/office/drawing/2012/chart" uri="{CE6537A1-D6FC-4f65-9D91-7224C49458BB}"/>
                 <c:ext xmlns:c16="http://schemas.microsoft.com/office/drawing/2014/chart" uri="{C3380CC4-5D6E-409C-BE32-E72D297353CC}">
                   <c16:uniqueId val="{00000017-D7FF-486C-8939-41451A005DD2}"/>
@@ -5308,7 +5546,7 @@
             <c:dLbl>
               <c:idx val="3"/>
               <c:delete val="1"/>
-              <c:extLst>
+              <c:extLst xmlns:c16r2="http://schemas.microsoft.com/office/drawing/2015/06/chart">
                 <c:ext xmlns:c15="http://schemas.microsoft.com/office/drawing/2012/chart" uri="{CE6537A1-D6FC-4f65-9D91-7224C49458BB}"/>
                 <c:ext xmlns:c16="http://schemas.microsoft.com/office/drawing/2014/chart" uri="{C3380CC4-5D6E-409C-BE32-E72D297353CC}">
                   <c16:uniqueId val="{00000015-D7FF-486C-8939-41451A005DD2}"/>
@@ -5318,7 +5556,7 @@
             <c:dLbl>
               <c:idx val="4"/>
               <c:delete val="1"/>
-              <c:extLst>
+              <c:extLst xmlns:c16r2="http://schemas.microsoft.com/office/drawing/2015/06/chart">
                 <c:ext xmlns:c15="http://schemas.microsoft.com/office/drawing/2012/chart" uri="{CE6537A1-D6FC-4f65-9D91-7224C49458BB}"/>
                 <c:ext xmlns:c16="http://schemas.microsoft.com/office/drawing/2014/chart" uri="{C3380CC4-5D6E-409C-BE32-E72D297353CC}">
                   <c16:uniqueId val="{00000014-D7FF-486C-8939-41451A005DD2}"/>
@@ -5360,11 +5598,6 @@
               <c:showSerName val="0"/>
               <c:showPercent val="0"/>
               <c:showBubbleSize val="0"/>
-              <c:extLst>
-                <c:ext xmlns:c16="http://schemas.microsoft.com/office/drawing/2014/chart" uri="{C3380CC4-5D6E-409C-BE32-E72D297353CC}">
-                  <c16:uniqueId val="{0000000D-D7FF-486C-8939-41451A005DD2}"/>
-                </c:ext>
-              </c:extLst>
             </c:dLbl>
             <c:dLbl>
               <c:idx val="6"/>
@@ -5401,16 +5634,11 @@
               <c:showSerName val="0"/>
               <c:showPercent val="0"/>
               <c:showBubbleSize val="0"/>
-              <c:extLst>
-                <c:ext xmlns:c16="http://schemas.microsoft.com/office/drawing/2014/chart" uri="{C3380CC4-5D6E-409C-BE32-E72D297353CC}">
-                  <c16:uniqueId val="{0000000E-D7FF-486C-8939-41451A005DD2}"/>
-                </c:ext>
-              </c:extLst>
             </c:dLbl>
             <c:dLbl>
               <c:idx val="7"/>
               <c:delete val="1"/>
-              <c:extLst>
+              <c:extLst xmlns:c16r2="http://schemas.microsoft.com/office/drawing/2015/06/chart">
                 <c:ext xmlns:c15="http://schemas.microsoft.com/office/drawing/2012/chart" uri="{CE6537A1-D6FC-4f65-9D91-7224C49458BB}"/>
                 <c:ext xmlns:c16="http://schemas.microsoft.com/office/drawing/2014/chart" uri="{C3380CC4-5D6E-409C-BE32-E72D297353CC}">
                   <c16:uniqueId val="{00000018-D7FF-486C-8939-41451A005DD2}"/>
@@ -5420,7 +5648,7 @@
             <c:dLbl>
               <c:idx val="8"/>
               <c:delete val="1"/>
-              <c:extLst>
+              <c:extLst xmlns:c16r2="http://schemas.microsoft.com/office/drawing/2015/06/chart">
                 <c:ext xmlns:c15="http://schemas.microsoft.com/office/drawing/2012/chart" uri="{CE6537A1-D6FC-4f65-9D91-7224C49458BB}"/>
                 <c:ext xmlns:c16="http://schemas.microsoft.com/office/drawing/2014/chart" uri="{C3380CC4-5D6E-409C-BE32-E72D297353CC}">
                   <c16:uniqueId val="{00000019-D7FF-486C-8939-41451A005DD2}"/>
@@ -5462,11 +5690,6 @@
               <c:showSerName val="0"/>
               <c:showPercent val="0"/>
               <c:showBubbleSize val="0"/>
-              <c:extLst>
-                <c:ext xmlns:c16="http://schemas.microsoft.com/office/drawing/2014/chart" uri="{C3380CC4-5D6E-409C-BE32-E72D297353CC}">
-                  <c16:uniqueId val="{0000000F-D7FF-486C-8939-41451A005DD2}"/>
-                </c:ext>
-              </c:extLst>
             </c:dLbl>
             <c:dLbl>
               <c:idx val="10"/>
@@ -5503,16 +5726,11 @@
               <c:showSerName val="0"/>
               <c:showPercent val="0"/>
               <c:showBubbleSize val="0"/>
-              <c:extLst>
-                <c:ext xmlns:c16="http://schemas.microsoft.com/office/drawing/2014/chart" uri="{C3380CC4-5D6E-409C-BE32-E72D297353CC}">
-                  <c16:uniqueId val="{00000010-D7FF-486C-8939-41451A005DD2}"/>
-                </c:ext>
-              </c:extLst>
             </c:dLbl>
             <c:dLbl>
               <c:idx val="11"/>
               <c:delete val="1"/>
-              <c:extLst>
+              <c:extLst xmlns:c16r2="http://schemas.microsoft.com/office/drawing/2015/06/chart">
                 <c:ext xmlns:c15="http://schemas.microsoft.com/office/drawing/2012/chart" uri="{CE6537A1-D6FC-4f65-9D91-7224C49458BB}"/>
                 <c:ext xmlns:c16="http://schemas.microsoft.com/office/drawing/2014/chart" uri="{C3380CC4-5D6E-409C-BE32-E72D297353CC}">
                   <c16:uniqueId val="{0000001A-D7FF-486C-8939-41451A005DD2}"/>
@@ -5554,11 +5772,6 @@
               <c:showSerName val="0"/>
               <c:showPercent val="0"/>
               <c:showBubbleSize val="0"/>
-              <c:extLst>
-                <c:ext xmlns:c16="http://schemas.microsoft.com/office/drawing/2014/chart" uri="{C3380CC4-5D6E-409C-BE32-E72D297353CC}">
-                  <c16:uniqueId val="{00000011-D7FF-486C-8939-41451A005DD2}"/>
-                </c:ext>
-              </c:extLst>
             </c:dLbl>
             <c:dLbl>
               <c:idx val="13"/>
@@ -5595,16 +5808,11 @@
               <c:showSerName val="0"/>
               <c:showPercent val="0"/>
               <c:showBubbleSize val="0"/>
-              <c:extLst>
-                <c:ext xmlns:c16="http://schemas.microsoft.com/office/drawing/2014/chart" uri="{C3380CC4-5D6E-409C-BE32-E72D297353CC}">
-                  <c16:uniqueId val="{00000012-D7FF-486C-8939-41451A005DD2}"/>
-                </c:ext>
-              </c:extLst>
             </c:dLbl>
             <c:dLbl>
               <c:idx val="14"/>
               <c:delete val="1"/>
-              <c:extLst>
+              <c:extLst xmlns:c16r2="http://schemas.microsoft.com/office/drawing/2015/06/chart">
                 <c:ext xmlns:c15="http://schemas.microsoft.com/office/drawing/2012/chart" uri="{CE6537A1-D6FC-4f65-9D91-7224C49458BB}"/>
                 <c:ext xmlns:c16="http://schemas.microsoft.com/office/drawing/2014/chart" uri="{C3380CC4-5D6E-409C-BE32-E72D297353CC}">
                   <c16:uniqueId val="{0000001B-D7FF-486C-8939-41451A005DD2}"/>
@@ -5614,7 +5822,7 @@
             <c:dLbl>
               <c:idx val="15"/>
               <c:delete val="1"/>
-              <c:extLst>
+              <c:extLst xmlns:c16r2="http://schemas.microsoft.com/office/drawing/2015/06/chart">
                 <c:ext xmlns:c15="http://schemas.microsoft.com/office/drawing/2012/chart" uri="{CE6537A1-D6FC-4f65-9D91-7224C49458BB}"/>
                 <c:ext xmlns:c16="http://schemas.microsoft.com/office/drawing/2014/chart" uri="{C3380CC4-5D6E-409C-BE32-E72D297353CC}">
                   <c16:uniqueId val="{0000001C-D7FF-486C-8939-41451A005DD2}"/>
@@ -5624,7 +5832,7 @@
             <c:dLbl>
               <c:idx val="16"/>
               <c:delete val="1"/>
-              <c:extLst>
+              <c:extLst xmlns:c16r2="http://schemas.microsoft.com/office/drawing/2015/06/chart">
                 <c:ext xmlns:c15="http://schemas.microsoft.com/office/drawing/2012/chart" uri="{CE6537A1-D6FC-4f65-9D91-7224C49458BB}"/>
                 <c:ext xmlns:c16="http://schemas.microsoft.com/office/drawing/2014/chart" uri="{C3380CC4-5D6E-409C-BE32-E72D297353CC}">
                   <c16:uniqueId val="{0000001D-D7FF-486C-8939-41451A005DD2}"/>
@@ -5634,7 +5842,7 @@
             <c:dLbl>
               <c:idx val="17"/>
               <c:delete val="1"/>
-              <c:extLst>
+              <c:extLst xmlns:c16r2="http://schemas.microsoft.com/office/drawing/2015/06/chart">
                 <c:ext xmlns:c15="http://schemas.microsoft.com/office/drawing/2012/chart" uri="{CE6537A1-D6FC-4f65-9D91-7224C49458BB}"/>
                 <c:ext xmlns:c16="http://schemas.microsoft.com/office/drawing/2014/chart" uri="{C3380CC4-5D6E-409C-BE32-E72D297353CC}">
                   <c16:uniqueId val="{0000001E-D7FF-486C-8939-41451A005DD2}"/>
@@ -5644,7 +5852,7 @@
             <c:dLbl>
               <c:idx val="18"/>
               <c:delete val="1"/>
-              <c:extLst>
+              <c:extLst xmlns:c16r2="http://schemas.microsoft.com/office/drawing/2015/06/chart">
                 <c:ext xmlns:c15="http://schemas.microsoft.com/office/drawing/2012/chart" uri="{CE6537A1-D6FC-4f65-9D91-7224C49458BB}"/>
                 <c:ext xmlns:c16="http://schemas.microsoft.com/office/drawing/2014/chart" uri="{C3380CC4-5D6E-409C-BE32-E72D297353CC}">
                   <c16:uniqueId val="{0000001F-D7FF-486C-8939-41451A005DD2}"/>
@@ -5654,7 +5862,7 @@
             <c:dLbl>
               <c:idx val="19"/>
               <c:delete val="1"/>
-              <c:extLst>
+              <c:extLst xmlns:c16r2="http://schemas.microsoft.com/office/drawing/2015/06/chart">
                 <c:ext xmlns:c15="http://schemas.microsoft.com/office/drawing/2012/chart" uri="{CE6537A1-D6FC-4f65-9D91-7224C49458BB}"/>
                 <c:ext xmlns:c16="http://schemas.microsoft.com/office/drawing/2014/chart" uri="{C3380CC4-5D6E-409C-BE32-E72D297353CC}">
                   <c16:uniqueId val="{00000020-D7FF-486C-8939-41451A005DD2}"/>
@@ -5664,7 +5872,7 @@
             <c:dLbl>
               <c:idx val="20"/>
               <c:delete val="1"/>
-              <c:extLst>
+              <c:extLst xmlns:c16r2="http://schemas.microsoft.com/office/drawing/2015/06/chart">
                 <c:ext xmlns:c15="http://schemas.microsoft.com/office/drawing/2012/chart" uri="{CE6537A1-D6FC-4f65-9D91-7224C49458BB}"/>
                 <c:ext xmlns:c16="http://schemas.microsoft.com/office/drawing/2014/chart" uri="{C3380CC4-5D6E-409C-BE32-E72D297353CC}">
                   <c16:uniqueId val="{00000021-D7FF-486C-8939-41451A005DD2}"/>
@@ -5674,7 +5882,7 @@
             <c:dLbl>
               <c:idx val="21"/>
               <c:delete val="1"/>
-              <c:extLst>
+              <c:extLst xmlns:c16r2="http://schemas.microsoft.com/office/drawing/2015/06/chart">
                 <c:ext xmlns:c15="http://schemas.microsoft.com/office/drawing/2012/chart" uri="{CE6537A1-D6FC-4f65-9D91-7224C49458BB}"/>
                 <c:ext xmlns:c16="http://schemas.microsoft.com/office/drawing/2014/chart" uri="{C3380CC4-5D6E-409C-BE32-E72D297353CC}">
                   <c16:uniqueId val="{00000022-D7FF-486C-8939-41451A005DD2}"/>
@@ -5716,16 +5924,11 @@
               <c:showSerName val="0"/>
               <c:showPercent val="0"/>
               <c:showBubbleSize val="0"/>
-              <c:extLst>
-                <c:ext xmlns:c16="http://schemas.microsoft.com/office/drawing/2014/chart" uri="{C3380CC4-5D6E-409C-BE32-E72D297353CC}">
-                  <c16:uniqueId val="{00000013-D7FF-486C-8939-41451A005DD2}"/>
-                </c:ext>
-              </c:extLst>
             </c:dLbl>
             <c:dLbl>
               <c:idx val="23"/>
               <c:delete val="1"/>
-              <c:extLst>
+              <c:extLst xmlns:c16r2="http://schemas.microsoft.com/office/drawing/2015/06/chart">
                 <c:ext xmlns:c15="http://schemas.microsoft.com/office/drawing/2012/chart" uri="{CE6537A1-D6FC-4f65-9D91-7224C49458BB}"/>
                 <c:ext xmlns:c16="http://schemas.microsoft.com/office/drawing/2014/chart" uri="{C3380CC4-5D6E-409C-BE32-E72D297353CC}">
                   <c16:uniqueId val="{00000023-D7FF-486C-8939-41451A005DD2}"/>
@@ -5735,7 +5938,7 @@
             <c:dLbl>
               <c:idx val="24"/>
               <c:delete val="1"/>
-              <c:extLst>
+              <c:extLst xmlns:c16r2="http://schemas.microsoft.com/office/drawing/2015/06/chart">
                 <c:ext xmlns:c15="http://schemas.microsoft.com/office/drawing/2012/chart" uri="{CE6537A1-D6FC-4f65-9D91-7224C49458BB}"/>
                 <c:ext xmlns:c16="http://schemas.microsoft.com/office/drawing/2014/chart" uri="{C3380CC4-5D6E-409C-BE32-E72D297353CC}">
                   <c16:uniqueId val="{00000024-D7FF-486C-8939-41451A005DD2}"/>
@@ -5779,7 +5982,7 @@
             <c:showPercent val="0"/>
             <c:showBubbleSize val="0"/>
             <c:showLeaderLines val="0"/>
-            <c:extLst>
+            <c:extLst xmlns:c16r2="http://schemas.microsoft.com/office/drawing/2015/06/chart">
               <c:ext xmlns:c15="http://schemas.microsoft.com/office/drawing/2012/chart" uri="{CE6537A1-D6FC-4f65-9D91-7224C49458BB}">
                 <c15:showLeaderLines val="0"/>
               </c:ext>
@@ -5951,7 +6154,7 @@
             </c:numRef>
           </c:val>
           <c:smooth val="0"/>
-          <c:extLst>
+          <c:extLst xmlns:c16r2="http://schemas.microsoft.com/office/drawing/2015/06/chart">
             <c:ext xmlns:c16="http://schemas.microsoft.com/office/drawing/2014/chart" uri="{C3380CC4-5D6E-409C-BE32-E72D297353CC}">
               <c16:uniqueId val="{0000000C-D7FF-486C-8939-41451A005DD2}"/>
             </c:ext>
@@ -5967,11 +6170,11 @@
         </c:dLbls>
         <c:marker val="1"/>
         <c:smooth val="0"/>
-        <c:axId val="566360024"/>
-        <c:axId val="566364288"/>
+        <c:axId val="164215808"/>
+        <c:axId val="164233984"/>
       </c:lineChart>
       <c:catAx>
-        <c:axId val="566360024"/>
+        <c:axId val="164215808"/>
         <c:scaling>
           <c:orientation val="minMax"/>
         </c:scaling>
@@ -6014,7 +6217,7 @@
             <a:endParaRPr lang="zh-CN"/>
           </a:p>
         </c:txPr>
-        <c:crossAx val="566364288"/>
+        <c:crossAx val="164233984"/>
         <c:crosses val="autoZero"/>
         <c:auto val="1"/>
         <c:lblAlgn val="ctr"/>
@@ -6022,7 +6225,7 @@
         <c:noMultiLvlLbl val="0"/>
       </c:catAx>
       <c:valAx>
-        <c:axId val="566364288"/>
+        <c:axId val="164233984"/>
         <c:scaling>
           <c:orientation val="minMax"/>
           <c:max val="72"/>
@@ -6048,7 +6251,7 @@
         <c:majorTickMark val="none"/>
         <c:minorTickMark val="none"/>
         <c:tickLblPos val="nextTo"/>
-        <c:crossAx val="566360024"/>
+        <c:crossAx val="164215808"/>
         <c:crosses val="autoZero"/>
         <c:crossBetween val="midCat"/>
         <c:majorUnit val="8"/>
@@ -6063,14 +6266,14 @@
     </c:plotArea>
     <c:plotVisOnly val="1"/>
     <c:dispBlanksAs val="gap"/>
-    <c:extLst>
+    <c:showDLblsOverMax val="0"/>
+    <c:extLst xmlns:c16r2="http://schemas.microsoft.com/office/drawing/2015/06/chart">
       <c:ext xmlns:c16r3="http://schemas.microsoft.com/office/drawing/2017/03/chart" uri="{56B9EC1D-385E-4148-901F-78D8002777C0}">
         <c16r3:dataDisplayOptions16>
           <c16r3:dispNaAsBlank val="1"/>
         </c16r3:dataDisplayOptions16>
       </c:ext>
     </c:extLst>
-    <c:showDLblsOverMax val="0"/>
   </c:chart>
   <c:spPr>
     <a:noFill/>
@@ -6089,7 +6292,7 @@
       <a:endParaRPr lang="zh-CN"/>
     </a:p>
   </c:txPr>
-  <c:externalData r:id="rId3">
+  <c:externalData r:id="rId1">
     <c:autoUpdate val="0"/>
   </c:externalData>
 </c:chartSpace>
@@ -8498,7 +8701,7 @@
           <a:p>
             <a:fld id="{05C5EE09-186D-4AD6-845E-9314434E5C2B}" type="datetimeFigureOut">
               <a:rPr lang="zh-CN" altLang="en-US" smtClean="0"/>
-              <a:t>2018/4/30</a:t>
+              <a:t>2018/5/7</a:t>
             </a:fld>
             <a:endParaRPr lang="zh-CN" altLang="en-US"/>
           </a:p>
@@ -8649,7 +8852,7 @@
           <a:p>
             <a:fld id="{05C5EE09-186D-4AD6-845E-9314434E5C2B}" type="datetimeFigureOut">
               <a:rPr lang="zh-CN" altLang="en-US" smtClean="0"/>
-              <a:t>2018/4/30</a:t>
+              <a:t>2018/5/7</a:t>
             </a:fld>
             <a:endParaRPr lang="zh-CN" altLang="en-US"/>
           </a:p>
@@ -8702,7 +8905,7 @@
           <p:cNvPr id="7" name="内容占位符 2">
             <a:extLst>
               <a:ext uri="{FF2B5EF4-FFF2-40B4-BE49-F238E27FC236}">
-                <a16:creationId xmlns:a16="http://schemas.microsoft.com/office/drawing/2014/main" id="{E230631F-0BAD-4168-B9F9-2D88D598B731}"/>
+                <a16:creationId xmlns="" xmlns:a16="http://schemas.microsoft.com/office/drawing/2014/main" id="{E230631F-0BAD-4168-B9F9-2D88D598B731}"/>
               </a:ext>
             </a:extLst>
           </p:cNvPr>
@@ -8840,7 +9043,7 @@
           <a:p>
             <a:fld id="{05C5EE09-186D-4AD6-845E-9314434E5C2B}" type="datetimeFigureOut">
               <a:rPr lang="zh-CN" altLang="en-US" smtClean="0"/>
-              <a:t>2018/4/30</a:t>
+              <a:t>2018/5/7</a:t>
             </a:fld>
             <a:endParaRPr lang="zh-CN" altLang="en-US"/>
           </a:p>
@@ -8893,7 +9096,7 @@
           <p:cNvPr id="7" name="内容占位符 2">
             <a:extLst>
               <a:ext uri="{FF2B5EF4-FFF2-40B4-BE49-F238E27FC236}">
-                <a16:creationId xmlns:a16="http://schemas.microsoft.com/office/drawing/2014/main" id="{E230631F-0BAD-4168-B9F9-2D88D598B731}"/>
+                <a16:creationId xmlns="" xmlns:a16="http://schemas.microsoft.com/office/drawing/2014/main" id="{E230631F-0BAD-4168-B9F9-2D88D598B731}"/>
               </a:ext>
             </a:extLst>
           </p:cNvPr>
@@ -8933,7 +9136,7 @@
           <p:cNvPr id="8" name="内容占位符 2">
             <a:extLst>
               <a:ext uri="{FF2B5EF4-FFF2-40B4-BE49-F238E27FC236}">
-                <a16:creationId xmlns:a16="http://schemas.microsoft.com/office/drawing/2014/main" id="{524697B6-AC2F-4D22-91DD-ABF8A3C9CC43}"/>
+                <a16:creationId xmlns="" xmlns:a16="http://schemas.microsoft.com/office/drawing/2014/main" id="{524697B6-AC2F-4D22-91DD-ABF8A3C9CC43}"/>
               </a:ext>
             </a:extLst>
           </p:cNvPr>
@@ -9003,7 +9206,7 @@
           <p:cNvPr id="2" name="标题 1">
             <a:extLst>
               <a:ext uri="{FF2B5EF4-FFF2-40B4-BE49-F238E27FC236}">
-                <a16:creationId xmlns:a16="http://schemas.microsoft.com/office/drawing/2014/main" id="{16A79DDC-35CC-46E2-86FC-7266771DB3F2}"/>
+                <a16:creationId xmlns="" xmlns:a16="http://schemas.microsoft.com/office/drawing/2014/main" id="{16A79DDC-35CC-46E2-86FC-7266771DB3F2}"/>
               </a:ext>
             </a:extLst>
           </p:cNvPr>
@@ -9031,7 +9234,7 @@
           <p:cNvPr id="3" name="日期占位符 2">
             <a:extLst>
               <a:ext uri="{FF2B5EF4-FFF2-40B4-BE49-F238E27FC236}">
-                <a16:creationId xmlns:a16="http://schemas.microsoft.com/office/drawing/2014/main" id="{237DB888-93C7-4199-8E49-33C9353FFB60}"/>
+                <a16:creationId xmlns="" xmlns:a16="http://schemas.microsoft.com/office/drawing/2014/main" id="{237DB888-93C7-4199-8E49-33C9353FFB60}"/>
               </a:ext>
             </a:extLst>
           </p:cNvPr>
@@ -9049,7 +9252,7 @@
           <a:p>
             <a:fld id="{05C5EE09-186D-4AD6-845E-9314434E5C2B}" type="datetimeFigureOut">
               <a:rPr lang="zh-CN" altLang="en-US" smtClean="0"/>
-              <a:t>2018/5/1</a:t>
+              <a:t>2018/5/7</a:t>
             </a:fld>
             <a:endParaRPr lang="zh-CN" altLang="en-US"/>
           </a:p>
@@ -9060,7 +9263,7 @@
           <p:cNvPr id="4" name="页脚占位符 3">
             <a:extLst>
               <a:ext uri="{FF2B5EF4-FFF2-40B4-BE49-F238E27FC236}">
-                <a16:creationId xmlns:a16="http://schemas.microsoft.com/office/drawing/2014/main" id="{3A9EC67E-FF8B-4968-AB0C-5438BA739AFA}"/>
+                <a16:creationId xmlns="" xmlns:a16="http://schemas.microsoft.com/office/drawing/2014/main" id="{3A9EC67E-FF8B-4968-AB0C-5438BA739AFA}"/>
               </a:ext>
             </a:extLst>
           </p:cNvPr>
@@ -9085,7 +9288,7 @@
           <p:cNvPr id="5" name="灯片编号占位符 4">
             <a:extLst>
               <a:ext uri="{FF2B5EF4-FFF2-40B4-BE49-F238E27FC236}">
-                <a16:creationId xmlns:a16="http://schemas.microsoft.com/office/drawing/2014/main" id="{1BB0C0FC-F207-4C26-95C6-25B1CBC0ECB1}"/>
+                <a16:creationId xmlns="" xmlns:a16="http://schemas.microsoft.com/office/drawing/2014/main" id="{1BB0C0FC-F207-4C26-95C6-25B1CBC0ECB1}"/>
               </a:ext>
             </a:extLst>
           </p:cNvPr>
@@ -9212,7 +9415,7 @@
           <a:p>
             <a:fld id="{05C5EE09-186D-4AD6-845E-9314434E5C2B}" type="datetimeFigureOut">
               <a:rPr lang="zh-CN" altLang="en-US" smtClean="0"/>
-              <a:t>2018/4/30</a:t>
+              <a:t>2018/5/7</a:t>
             </a:fld>
             <a:endParaRPr lang="zh-CN" altLang="en-US"/>
           </a:p>
@@ -9265,7 +9468,7 @@
           <p:cNvPr id="7" name="内容占位符 2">
             <a:extLst>
               <a:ext uri="{FF2B5EF4-FFF2-40B4-BE49-F238E27FC236}">
-                <a16:creationId xmlns:a16="http://schemas.microsoft.com/office/drawing/2014/main" id="{E230631F-0BAD-4168-B9F9-2D88D598B731}"/>
+                <a16:creationId xmlns="" xmlns:a16="http://schemas.microsoft.com/office/drawing/2014/main" id="{E230631F-0BAD-4168-B9F9-2D88D598B731}"/>
               </a:ext>
             </a:extLst>
           </p:cNvPr>
@@ -9403,7 +9606,7 @@
           <a:p>
             <a:fld id="{05C5EE09-186D-4AD6-845E-9314434E5C2B}" type="datetimeFigureOut">
               <a:rPr lang="zh-CN" altLang="en-US" smtClean="0"/>
-              <a:t>2018/4/30</a:t>
+              <a:t>2018/5/7</a:t>
             </a:fld>
             <a:endParaRPr lang="zh-CN" altLang="en-US"/>
           </a:p>
@@ -9614,7 +9817,7 @@
           <a:p>
             <a:fld id="{05C5EE09-186D-4AD6-845E-9314434E5C2B}" type="datetimeFigureOut">
               <a:rPr lang="zh-CN" altLang="en-US" smtClean="0"/>
-              <a:t>2018/4/30</a:t>
+              <a:t>2018/5/7</a:t>
             </a:fld>
             <a:endParaRPr lang="zh-CN" altLang="en-US"/>
           </a:p>
@@ -10535,7 +10738,7 @@
           <p:cNvPr id="2" name="椭圆 1">
             <a:extLst>
               <a:ext uri="{FF2B5EF4-FFF2-40B4-BE49-F238E27FC236}">
-                <a16:creationId xmlns:a16="http://schemas.microsoft.com/office/drawing/2014/main" id="{D6B8A519-3C60-47EB-8378-58629938D36B}"/>
+                <a16:creationId xmlns="" xmlns:a16="http://schemas.microsoft.com/office/drawing/2014/main" id="{D6B8A519-3C60-47EB-8378-58629938D36B}"/>
               </a:ext>
             </a:extLst>
           </p:cNvPr>
@@ -10611,7 +10814,7 @@
           <p:cNvPr id="5" name="标题 4">
             <a:extLst>
               <a:ext uri="{FF2B5EF4-FFF2-40B4-BE49-F238E27FC236}">
-                <a16:creationId xmlns:a16="http://schemas.microsoft.com/office/drawing/2014/main" id="{A23316CE-94EF-48DA-8354-A3AC1546EFC0}"/>
+                <a16:creationId xmlns="" xmlns:a16="http://schemas.microsoft.com/office/drawing/2014/main" id="{A23316CE-94EF-48DA-8354-A3AC1546EFC0}"/>
               </a:ext>
             </a:extLst>
           </p:cNvPr>
@@ -10640,7 +10843,7 @@
           <p:cNvPr id="6" name="内容占位符 5">
             <a:extLst>
               <a:ext uri="{FF2B5EF4-FFF2-40B4-BE49-F238E27FC236}">
-                <a16:creationId xmlns:a16="http://schemas.microsoft.com/office/drawing/2014/main" id="{8DA40437-1EDC-4945-A435-DD4D00776CE4}"/>
+                <a16:creationId xmlns="" xmlns:a16="http://schemas.microsoft.com/office/drawing/2014/main" id="{8DA40437-1EDC-4945-A435-DD4D00776CE4}"/>
               </a:ext>
             </a:extLst>
           </p:cNvPr>
@@ -10715,7 +10918,7 @@
           <p:cNvPr id="8" name="内容占位符 7">
             <a:extLst>
               <a:ext uri="{FF2B5EF4-FFF2-40B4-BE49-F238E27FC236}">
-                <a16:creationId xmlns:a16="http://schemas.microsoft.com/office/drawing/2014/main" id="{0A5C50E7-DE3B-4527-8A94-8DD232E12140}"/>
+                <a16:creationId xmlns="" xmlns:a16="http://schemas.microsoft.com/office/drawing/2014/main" id="{0A5C50E7-DE3B-4527-8A94-8DD232E12140}"/>
               </a:ext>
             </a:extLst>
           </p:cNvPr>
@@ -10798,7 +11001,7 @@
           <p:cNvPr id="32" name="组合 31">
             <a:extLst>
               <a:ext uri="{FF2B5EF4-FFF2-40B4-BE49-F238E27FC236}">
-                <a16:creationId xmlns:a16="http://schemas.microsoft.com/office/drawing/2014/main" id="{A7B8F94C-2118-4712-94A5-3B232C2912DE}"/>
+                <a16:creationId xmlns="" xmlns:a16="http://schemas.microsoft.com/office/drawing/2014/main" id="{A7B8F94C-2118-4712-94A5-3B232C2912DE}"/>
               </a:ext>
             </a:extLst>
           </p:cNvPr>
@@ -10818,7 +11021,7 @@
             <p:cNvPr id="11" name="直接连接符 10">
               <a:extLst>
                 <a:ext uri="{FF2B5EF4-FFF2-40B4-BE49-F238E27FC236}">
-                  <a16:creationId xmlns:a16="http://schemas.microsoft.com/office/drawing/2014/main" id="{771453DF-040A-431B-B0C7-5F7881C252C7}"/>
+                  <a16:creationId xmlns="" xmlns:a16="http://schemas.microsoft.com/office/drawing/2014/main" id="{771453DF-040A-431B-B0C7-5F7881C252C7}"/>
                 </a:ext>
               </a:extLst>
             </p:cNvPr>
@@ -10854,7 +11057,7 @@
             <p:cNvPr id="14" name="直接连接符 13">
               <a:extLst>
                 <a:ext uri="{FF2B5EF4-FFF2-40B4-BE49-F238E27FC236}">
-                  <a16:creationId xmlns:a16="http://schemas.microsoft.com/office/drawing/2014/main" id="{3D51FAB8-7DCB-4A5D-971A-518250C353DE}"/>
+                  <a16:creationId xmlns="" xmlns:a16="http://schemas.microsoft.com/office/drawing/2014/main" id="{3D51FAB8-7DCB-4A5D-971A-518250C353DE}"/>
                 </a:ext>
               </a:extLst>
             </p:cNvPr>
@@ -10890,7 +11093,7 @@
             <p:cNvPr id="15" name="矩形 14">
               <a:extLst>
                 <a:ext uri="{FF2B5EF4-FFF2-40B4-BE49-F238E27FC236}">
-                  <a16:creationId xmlns:a16="http://schemas.microsoft.com/office/drawing/2014/main" id="{475A87E0-3755-4A2E-80AC-B2FF9FED566D}"/>
+                  <a16:creationId xmlns="" xmlns:a16="http://schemas.microsoft.com/office/drawing/2014/main" id="{475A87E0-3755-4A2E-80AC-B2FF9FED566D}"/>
                 </a:ext>
               </a:extLst>
             </p:cNvPr>
@@ -10965,7 +11168,7 @@
             <p:cNvPr id="16" name="矩形 15">
               <a:extLst>
                 <a:ext uri="{FF2B5EF4-FFF2-40B4-BE49-F238E27FC236}">
-                  <a16:creationId xmlns:a16="http://schemas.microsoft.com/office/drawing/2014/main" id="{1E066ABD-0714-4D89-AA37-BC62AE44AB92}"/>
+                  <a16:creationId xmlns="" xmlns:a16="http://schemas.microsoft.com/office/drawing/2014/main" id="{1E066ABD-0714-4D89-AA37-BC62AE44AB92}"/>
                 </a:ext>
               </a:extLst>
             </p:cNvPr>
@@ -11040,7 +11243,7 @@
             <p:cNvPr id="17" name="矩形 16">
               <a:extLst>
                 <a:ext uri="{FF2B5EF4-FFF2-40B4-BE49-F238E27FC236}">
-                  <a16:creationId xmlns:a16="http://schemas.microsoft.com/office/drawing/2014/main" id="{E19924A9-B493-4A2E-8F0B-7387368BB8CC}"/>
+                  <a16:creationId xmlns="" xmlns:a16="http://schemas.microsoft.com/office/drawing/2014/main" id="{E19924A9-B493-4A2E-8F0B-7387368BB8CC}"/>
                 </a:ext>
               </a:extLst>
             </p:cNvPr>
@@ -11118,7 +11321,7 @@
             <p:cNvPr id="18" name="矩形 17">
               <a:extLst>
                 <a:ext uri="{FF2B5EF4-FFF2-40B4-BE49-F238E27FC236}">
-                  <a16:creationId xmlns:a16="http://schemas.microsoft.com/office/drawing/2014/main" id="{91383741-73A5-4637-BA55-5AB729CB08B6}"/>
+                  <a16:creationId xmlns="" xmlns:a16="http://schemas.microsoft.com/office/drawing/2014/main" id="{91383741-73A5-4637-BA55-5AB729CB08B6}"/>
                 </a:ext>
               </a:extLst>
             </p:cNvPr>
@@ -11195,7 +11398,7 @@
             <p:cNvPr id="19" name="矩形 18">
               <a:extLst>
                 <a:ext uri="{FF2B5EF4-FFF2-40B4-BE49-F238E27FC236}">
-                  <a16:creationId xmlns:a16="http://schemas.microsoft.com/office/drawing/2014/main" id="{382B7AA7-09B1-4013-A376-08C43143871B}"/>
+                  <a16:creationId xmlns="" xmlns:a16="http://schemas.microsoft.com/office/drawing/2014/main" id="{382B7AA7-09B1-4013-A376-08C43143871B}"/>
                 </a:ext>
               </a:extLst>
             </p:cNvPr>
@@ -11272,7 +11475,7 @@
             <p:cNvPr id="20" name="矩形 19">
               <a:extLst>
                 <a:ext uri="{FF2B5EF4-FFF2-40B4-BE49-F238E27FC236}">
-                  <a16:creationId xmlns:a16="http://schemas.microsoft.com/office/drawing/2014/main" id="{242DB154-F645-4231-935D-6086165517F7}"/>
+                  <a16:creationId xmlns="" xmlns:a16="http://schemas.microsoft.com/office/drawing/2014/main" id="{242DB154-F645-4231-935D-6086165517F7}"/>
                 </a:ext>
               </a:extLst>
             </p:cNvPr>
@@ -11339,7 +11542,7 @@
             <p:cNvPr id="21" name="矩形 20">
               <a:extLst>
                 <a:ext uri="{FF2B5EF4-FFF2-40B4-BE49-F238E27FC236}">
-                  <a16:creationId xmlns:a16="http://schemas.microsoft.com/office/drawing/2014/main" id="{85D63DB5-B2BA-4D0F-86C4-A567223C3586}"/>
+                  <a16:creationId xmlns="" xmlns:a16="http://schemas.microsoft.com/office/drawing/2014/main" id="{85D63DB5-B2BA-4D0F-86C4-A567223C3586}"/>
                 </a:ext>
               </a:extLst>
             </p:cNvPr>
@@ -11405,7 +11608,7 @@
             <p:cNvPr id="22" name="矩形 21">
               <a:extLst>
                 <a:ext uri="{FF2B5EF4-FFF2-40B4-BE49-F238E27FC236}">
-                  <a16:creationId xmlns:a16="http://schemas.microsoft.com/office/drawing/2014/main" id="{0194145B-1034-4070-A330-CEF0B6A4EFD1}"/>
+                  <a16:creationId xmlns="" xmlns:a16="http://schemas.microsoft.com/office/drawing/2014/main" id="{0194145B-1034-4070-A330-CEF0B6A4EFD1}"/>
                 </a:ext>
               </a:extLst>
             </p:cNvPr>
@@ -11472,7 +11675,7 @@
             <p:cNvPr id="23" name="矩形 22">
               <a:extLst>
                 <a:ext uri="{FF2B5EF4-FFF2-40B4-BE49-F238E27FC236}">
-                  <a16:creationId xmlns:a16="http://schemas.microsoft.com/office/drawing/2014/main" id="{3821E3DB-B563-4641-9F60-51E7AC887F85}"/>
+                  <a16:creationId xmlns="" xmlns:a16="http://schemas.microsoft.com/office/drawing/2014/main" id="{3821E3DB-B563-4641-9F60-51E7AC887F85}"/>
                 </a:ext>
               </a:extLst>
             </p:cNvPr>
@@ -11531,7 +11734,7 @@
             <p:cNvPr id="24" name="矩形 23">
               <a:extLst>
                 <a:ext uri="{FF2B5EF4-FFF2-40B4-BE49-F238E27FC236}">
-                  <a16:creationId xmlns:a16="http://schemas.microsoft.com/office/drawing/2014/main" id="{35E11934-2794-4583-84FC-3F6DA07F7D17}"/>
+                  <a16:creationId xmlns="" xmlns:a16="http://schemas.microsoft.com/office/drawing/2014/main" id="{35E11934-2794-4583-84FC-3F6DA07F7D17}"/>
                 </a:ext>
               </a:extLst>
             </p:cNvPr>
@@ -11590,7 +11793,7 @@
             <p:cNvPr id="25" name="矩形 24">
               <a:extLst>
                 <a:ext uri="{FF2B5EF4-FFF2-40B4-BE49-F238E27FC236}">
-                  <a16:creationId xmlns:a16="http://schemas.microsoft.com/office/drawing/2014/main" id="{966B8537-3354-45C1-9C65-38103FE02AD1}"/>
+                  <a16:creationId xmlns="" xmlns:a16="http://schemas.microsoft.com/office/drawing/2014/main" id="{966B8537-3354-45C1-9C65-38103FE02AD1}"/>
                 </a:ext>
               </a:extLst>
             </p:cNvPr>
@@ -11656,7 +11859,7 @@
             <p:cNvPr id="26" name="矩形 25">
               <a:extLst>
                 <a:ext uri="{FF2B5EF4-FFF2-40B4-BE49-F238E27FC236}">
-                  <a16:creationId xmlns:a16="http://schemas.microsoft.com/office/drawing/2014/main" id="{4AA78FDB-6E92-4E38-9B62-1A7D2E137F0B}"/>
+                  <a16:creationId xmlns="" xmlns:a16="http://schemas.microsoft.com/office/drawing/2014/main" id="{4AA78FDB-6E92-4E38-9B62-1A7D2E137F0B}"/>
                 </a:ext>
               </a:extLst>
             </p:cNvPr>
@@ -11734,7 +11937,7 @@
             <p:cNvPr id="27" name="矩形 26">
               <a:extLst>
                 <a:ext uri="{FF2B5EF4-FFF2-40B4-BE49-F238E27FC236}">
-                  <a16:creationId xmlns:a16="http://schemas.microsoft.com/office/drawing/2014/main" id="{DE3285C5-AABE-44A5-9D8D-BFEC946C7795}"/>
+                  <a16:creationId xmlns="" xmlns:a16="http://schemas.microsoft.com/office/drawing/2014/main" id="{DE3285C5-AABE-44A5-9D8D-BFEC946C7795}"/>
                 </a:ext>
               </a:extLst>
             </p:cNvPr>
@@ -11811,7 +12014,7 @@
             <p:cNvPr id="28" name="矩形 27">
               <a:extLst>
                 <a:ext uri="{FF2B5EF4-FFF2-40B4-BE49-F238E27FC236}">
-                  <a16:creationId xmlns:a16="http://schemas.microsoft.com/office/drawing/2014/main" id="{B7D72145-4558-4E01-84D7-04B85B44F1CA}"/>
+                  <a16:creationId xmlns="" xmlns:a16="http://schemas.microsoft.com/office/drawing/2014/main" id="{B7D72145-4558-4E01-84D7-04B85B44F1CA}"/>
                 </a:ext>
               </a:extLst>
             </p:cNvPr>
@@ -11875,7 +12078,7 @@
             <p:cNvPr id="29" name="矩形 28">
               <a:extLst>
                 <a:ext uri="{FF2B5EF4-FFF2-40B4-BE49-F238E27FC236}">
-                  <a16:creationId xmlns:a16="http://schemas.microsoft.com/office/drawing/2014/main" id="{13E33106-90D9-4ED9-A9D4-FFD069759E25}"/>
+                  <a16:creationId xmlns="" xmlns:a16="http://schemas.microsoft.com/office/drawing/2014/main" id="{13E33106-90D9-4ED9-A9D4-FFD069759E25}"/>
                 </a:ext>
               </a:extLst>
             </p:cNvPr>
@@ -11939,7 +12142,7 @@
             <p:cNvPr id="30" name="矩形 29">
               <a:extLst>
                 <a:ext uri="{FF2B5EF4-FFF2-40B4-BE49-F238E27FC236}">
-                  <a16:creationId xmlns:a16="http://schemas.microsoft.com/office/drawing/2014/main" id="{26D24BD8-F936-46AC-AD36-2FC348DC8E5E}"/>
+                  <a16:creationId xmlns="" xmlns:a16="http://schemas.microsoft.com/office/drawing/2014/main" id="{26D24BD8-F936-46AC-AD36-2FC348DC8E5E}"/>
                 </a:ext>
               </a:extLst>
             </p:cNvPr>
@@ -11998,7 +12201,7 @@
             <p:cNvPr id="31" name="文本框 30">
               <a:extLst>
                 <a:ext uri="{FF2B5EF4-FFF2-40B4-BE49-F238E27FC236}">
-                  <a16:creationId xmlns:a16="http://schemas.microsoft.com/office/drawing/2014/main" id="{BF6C9F52-9E76-430D-B3E2-33FAFDBDB9A9}"/>
+                  <a16:creationId xmlns="" xmlns:a16="http://schemas.microsoft.com/office/drawing/2014/main" id="{BF6C9F52-9E76-430D-B3E2-33FAFDBDB9A9}"/>
                 </a:ext>
               </a:extLst>
             </p:cNvPr>
@@ -12074,7 +12277,7 @@
           <p:cNvPr id="5" name="标题 4">
             <a:extLst>
               <a:ext uri="{FF2B5EF4-FFF2-40B4-BE49-F238E27FC236}">
-                <a16:creationId xmlns:a16="http://schemas.microsoft.com/office/drawing/2014/main" id="{F831680F-BC1B-49F4-8E89-1E3CE544928D}"/>
+                <a16:creationId xmlns="" xmlns:a16="http://schemas.microsoft.com/office/drawing/2014/main" id="{F831680F-BC1B-49F4-8E89-1E3CE544928D}"/>
               </a:ext>
             </a:extLst>
           </p:cNvPr>
@@ -12103,7 +12306,7 @@
           <p:cNvPr id="10" name="内容占位符 9">
             <a:extLst>
               <a:ext uri="{FF2B5EF4-FFF2-40B4-BE49-F238E27FC236}">
-                <a16:creationId xmlns:a16="http://schemas.microsoft.com/office/drawing/2014/main" id="{DADE04AC-59D1-476F-A38B-B945911265FE}"/>
+                <a16:creationId xmlns="" xmlns:a16="http://schemas.microsoft.com/office/drawing/2014/main" id="{DADE04AC-59D1-476F-A38B-B945911265FE}"/>
               </a:ext>
             </a:extLst>
           </p:cNvPr>
@@ -12134,7 +12337,7 @@
           <p:cNvPr id="16" name="组合 15">
             <a:extLst>
               <a:ext uri="{FF2B5EF4-FFF2-40B4-BE49-F238E27FC236}">
-                <a16:creationId xmlns:a16="http://schemas.microsoft.com/office/drawing/2014/main" id="{19DD3315-A810-4857-8663-CB597B373B22}"/>
+                <a16:creationId xmlns="" xmlns:a16="http://schemas.microsoft.com/office/drawing/2014/main" id="{19DD3315-A810-4857-8663-CB597B373B22}"/>
               </a:ext>
             </a:extLst>
           </p:cNvPr>
@@ -12154,7 +12357,7 @@
             <p:cNvPr id="12" name="直接连接符 11">
               <a:extLst>
                 <a:ext uri="{FF2B5EF4-FFF2-40B4-BE49-F238E27FC236}">
-                  <a16:creationId xmlns:a16="http://schemas.microsoft.com/office/drawing/2014/main" id="{056C1B60-B26C-4F5B-A2A5-5252FC320150}"/>
+                  <a16:creationId xmlns="" xmlns:a16="http://schemas.microsoft.com/office/drawing/2014/main" id="{056C1B60-B26C-4F5B-A2A5-5252FC320150}"/>
                 </a:ext>
               </a:extLst>
             </p:cNvPr>
@@ -12191,7 +12394,7 @@
             <p:cNvPr id="13" name="文本框 12">
               <a:extLst>
                 <a:ext uri="{FF2B5EF4-FFF2-40B4-BE49-F238E27FC236}">
-                  <a16:creationId xmlns:a16="http://schemas.microsoft.com/office/drawing/2014/main" id="{E2C0AE53-FB66-4FE9-8D4C-B8BE40419614}"/>
+                  <a16:creationId xmlns="" xmlns:a16="http://schemas.microsoft.com/office/drawing/2014/main" id="{E2C0AE53-FB66-4FE9-8D4C-B8BE40419614}"/>
                 </a:ext>
               </a:extLst>
             </p:cNvPr>
@@ -12243,7 +12446,7 @@
             <p:cNvPr id="14" name="直接连接符 13">
               <a:extLst>
                 <a:ext uri="{FF2B5EF4-FFF2-40B4-BE49-F238E27FC236}">
-                  <a16:creationId xmlns:a16="http://schemas.microsoft.com/office/drawing/2014/main" id="{84124413-76E4-411C-84F6-96A8DA86ECD0}"/>
+                  <a16:creationId xmlns="" xmlns:a16="http://schemas.microsoft.com/office/drawing/2014/main" id="{84124413-76E4-411C-84F6-96A8DA86ECD0}"/>
                 </a:ext>
               </a:extLst>
             </p:cNvPr>
@@ -12284,7 +12487,7 @@
             <p:cNvPr id="15" name="文本框 14">
               <a:extLst>
                 <a:ext uri="{FF2B5EF4-FFF2-40B4-BE49-F238E27FC236}">
-                  <a16:creationId xmlns:a16="http://schemas.microsoft.com/office/drawing/2014/main" id="{43CF7A1D-C2FB-46D4-A90D-8170D8808663}"/>
+                  <a16:creationId xmlns="" xmlns:a16="http://schemas.microsoft.com/office/drawing/2014/main" id="{43CF7A1D-C2FB-46D4-A90D-8170D8808663}"/>
                 </a:ext>
               </a:extLst>
             </p:cNvPr>
@@ -12367,7 +12570,7 @@
           <p:cNvPr id="2" name="标题 1">
             <a:extLst>
               <a:ext uri="{FF2B5EF4-FFF2-40B4-BE49-F238E27FC236}">
-                <a16:creationId xmlns:a16="http://schemas.microsoft.com/office/drawing/2014/main" id="{684059AC-77F2-4A98-8984-AA1DBA6C05E2}"/>
+                <a16:creationId xmlns="" xmlns:a16="http://schemas.microsoft.com/office/drawing/2014/main" id="{684059AC-77F2-4A98-8984-AA1DBA6C05E2}"/>
               </a:ext>
             </a:extLst>
           </p:cNvPr>
@@ -12396,7 +12599,7 @@
           <p:cNvPr id="6" name="内容占位符 5">
             <a:extLst>
               <a:ext uri="{FF2B5EF4-FFF2-40B4-BE49-F238E27FC236}">
-                <a16:creationId xmlns:a16="http://schemas.microsoft.com/office/drawing/2014/main" id="{3BD25E1F-420C-4B67-9DDB-A1D9F9132CE7}"/>
+                <a16:creationId xmlns="" xmlns:a16="http://schemas.microsoft.com/office/drawing/2014/main" id="{3BD25E1F-420C-4B67-9DDB-A1D9F9132CE7}"/>
               </a:ext>
             </a:extLst>
           </p:cNvPr>
@@ -12427,7 +12630,7 @@
           <p:cNvPr id="7" name="组合 6">
             <a:extLst>
               <a:ext uri="{FF2B5EF4-FFF2-40B4-BE49-F238E27FC236}">
-                <a16:creationId xmlns:a16="http://schemas.microsoft.com/office/drawing/2014/main" id="{18069FF4-03B2-4FA2-8B40-6A263D15D2BE}"/>
+                <a16:creationId xmlns="" xmlns:a16="http://schemas.microsoft.com/office/drawing/2014/main" id="{18069FF4-03B2-4FA2-8B40-6A263D15D2BE}"/>
               </a:ext>
             </a:extLst>
           </p:cNvPr>
@@ -12447,7 +12650,7 @@
             <p:cNvPr id="8" name="直接连接符 7">
               <a:extLst>
                 <a:ext uri="{FF2B5EF4-FFF2-40B4-BE49-F238E27FC236}">
-                  <a16:creationId xmlns:a16="http://schemas.microsoft.com/office/drawing/2014/main" id="{40C45DDE-FAA8-4529-BAD0-8486F5EECD47}"/>
+                  <a16:creationId xmlns="" xmlns:a16="http://schemas.microsoft.com/office/drawing/2014/main" id="{40C45DDE-FAA8-4529-BAD0-8486F5EECD47}"/>
                 </a:ext>
               </a:extLst>
             </p:cNvPr>
@@ -12484,7 +12687,7 @@
             <p:cNvPr id="9" name="文本框 8">
               <a:extLst>
                 <a:ext uri="{FF2B5EF4-FFF2-40B4-BE49-F238E27FC236}">
-                  <a16:creationId xmlns:a16="http://schemas.microsoft.com/office/drawing/2014/main" id="{BF2284AB-0B75-468A-AD5C-A2DF29CEED19}"/>
+                  <a16:creationId xmlns="" xmlns:a16="http://schemas.microsoft.com/office/drawing/2014/main" id="{BF2284AB-0B75-468A-AD5C-A2DF29CEED19}"/>
                 </a:ext>
               </a:extLst>
             </p:cNvPr>
@@ -12599,7 +12802,7 @@
           <p:cNvPr id="2" name="标题 1">
             <a:extLst>
               <a:ext uri="{FF2B5EF4-FFF2-40B4-BE49-F238E27FC236}">
-                <a16:creationId xmlns:a16="http://schemas.microsoft.com/office/drawing/2014/main" id="{044BD7EB-6B48-4DD6-8FBC-4A3952924F80}"/>
+                <a16:creationId xmlns="" xmlns:a16="http://schemas.microsoft.com/office/drawing/2014/main" id="{044BD7EB-6B48-4DD6-8FBC-4A3952924F80}"/>
               </a:ext>
             </a:extLst>
           </p:cNvPr>
@@ -12628,7 +12831,7 @@
           <p:cNvPr id="6" name="内容占位符 5">
             <a:extLst>
               <a:ext uri="{FF2B5EF4-FFF2-40B4-BE49-F238E27FC236}">
-                <a16:creationId xmlns:a16="http://schemas.microsoft.com/office/drawing/2014/main" id="{38F9E362-13EC-4570-BA44-AE7359F49405}"/>
+                <a16:creationId xmlns="" xmlns:a16="http://schemas.microsoft.com/office/drawing/2014/main" id="{38F9E362-13EC-4570-BA44-AE7359F49405}"/>
               </a:ext>
             </a:extLst>
           </p:cNvPr>
@@ -12639,7 +12842,7 @@
             <p:ph idx="1"/>
             <p:extLst>
               <p:ext uri="{D42A27DB-BD31-4B8C-83A1-F6EECF244321}">
-                <p14:modId xmlns:p14="http://schemas.microsoft.com/office/powerpoint/2010/main" val="3063492601"/>
+                <p14:modId xmlns:p14="http://schemas.microsoft.com/office/powerpoint/2010/main" val="2382353793"/>
               </p:ext>
             </p:extLst>
           </p:nvPr>
@@ -12659,7 +12862,7 @@
           <p:cNvPr id="7" name="组合 6">
             <a:extLst>
               <a:ext uri="{FF2B5EF4-FFF2-40B4-BE49-F238E27FC236}">
-                <a16:creationId xmlns:a16="http://schemas.microsoft.com/office/drawing/2014/main" id="{EF952822-7A32-44BC-9ABB-F15768C361AB}"/>
+                <a16:creationId xmlns="" xmlns:a16="http://schemas.microsoft.com/office/drawing/2014/main" id="{EF952822-7A32-44BC-9ABB-F15768C361AB}"/>
               </a:ext>
             </a:extLst>
           </p:cNvPr>
@@ -12679,7 +12882,7 @@
             <p:cNvPr id="8" name="直接连接符 7">
               <a:extLst>
                 <a:ext uri="{FF2B5EF4-FFF2-40B4-BE49-F238E27FC236}">
-                  <a16:creationId xmlns:a16="http://schemas.microsoft.com/office/drawing/2014/main" id="{5029E31F-A018-49C4-9631-747C4974B395}"/>
+                  <a16:creationId xmlns="" xmlns:a16="http://schemas.microsoft.com/office/drawing/2014/main" id="{5029E31F-A018-49C4-9631-747C4974B395}"/>
                 </a:ext>
               </a:extLst>
             </p:cNvPr>
@@ -12720,7 +12923,7 @@
             <p:cNvPr id="9" name="文本框 8">
               <a:extLst>
                 <a:ext uri="{FF2B5EF4-FFF2-40B4-BE49-F238E27FC236}">
-                  <a16:creationId xmlns:a16="http://schemas.microsoft.com/office/drawing/2014/main" id="{C54435EA-B23E-4119-A03E-BDC4DFC443C8}"/>
+                  <a16:creationId xmlns="" xmlns:a16="http://schemas.microsoft.com/office/drawing/2014/main" id="{C54435EA-B23E-4119-A03E-BDC4DFC443C8}"/>
                 </a:ext>
               </a:extLst>
             </p:cNvPr>
@@ -12772,7 +12975,7 @@
             <p:cNvPr id="10" name="直接连接符 9">
               <a:extLst>
                 <a:ext uri="{FF2B5EF4-FFF2-40B4-BE49-F238E27FC236}">
-                  <a16:creationId xmlns:a16="http://schemas.microsoft.com/office/drawing/2014/main" id="{F9FC1631-DCCA-4692-B1AF-4CDF5EA55FEF}"/>
+                  <a16:creationId xmlns="" xmlns:a16="http://schemas.microsoft.com/office/drawing/2014/main" id="{F9FC1631-DCCA-4692-B1AF-4CDF5EA55FEF}"/>
                 </a:ext>
               </a:extLst>
             </p:cNvPr>
@@ -12813,7 +13016,7 @@
             <p:cNvPr id="11" name="文本框 10">
               <a:extLst>
                 <a:ext uri="{FF2B5EF4-FFF2-40B4-BE49-F238E27FC236}">
-                  <a16:creationId xmlns:a16="http://schemas.microsoft.com/office/drawing/2014/main" id="{A0101AAF-F7A2-49CF-A8EC-535B128C297E}"/>
+                  <a16:creationId xmlns="" xmlns:a16="http://schemas.microsoft.com/office/drawing/2014/main" id="{A0101AAF-F7A2-49CF-A8EC-535B128C297E}"/>
                 </a:ext>
               </a:extLst>
             </p:cNvPr>
@@ -12896,7 +13099,7 @@
           <p:cNvPr id="2" name="标题 1">
             <a:extLst>
               <a:ext uri="{FF2B5EF4-FFF2-40B4-BE49-F238E27FC236}">
-                <a16:creationId xmlns:a16="http://schemas.microsoft.com/office/drawing/2014/main" id="{6EB5ADA7-74B3-4533-91DC-57040A7F32F8}"/>
+                <a16:creationId xmlns="" xmlns:a16="http://schemas.microsoft.com/office/drawing/2014/main" id="{6EB5ADA7-74B3-4533-91DC-57040A7F32F8}"/>
               </a:ext>
             </a:extLst>
           </p:cNvPr>
@@ -12925,7 +13128,7 @@
           <p:cNvPr id="6" name="内容占位符 5">
             <a:extLst>
               <a:ext uri="{FF2B5EF4-FFF2-40B4-BE49-F238E27FC236}">
-                <a16:creationId xmlns:a16="http://schemas.microsoft.com/office/drawing/2014/main" id="{B1B01AA9-E470-4B72-8F2D-4FE879D94F17}"/>
+                <a16:creationId xmlns="" xmlns:a16="http://schemas.microsoft.com/office/drawing/2014/main" id="{B1B01AA9-E470-4B72-8F2D-4FE879D94F17}"/>
               </a:ext>
             </a:extLst>
           </p:cNvPr>
@@ -12956,7 +13159,7 @@
           <p:cNvPr id="14" name="组合 13">
             <a:extLst>
               <a:ext uri="{FF2B5EF4-FFF2-40B4-BE49-F238E27FC236}">
-                <a16:creationId xmlns:a16="http://schemas.microsoft.com/office/drawing/2014/main" id="{43221097-6AB8-46A4-A9E4-7843496488D0}"/>
+                <a16:creationId xmlns="" xmlns:a16="http://schemas.microsoft.com/office/drawing/2014/main" id="{43221097-6AB8-46A4-A9E4-7843496488D0}"/>
               </a:ext>
             </a:extLst>
           </p:cNvPr>
@@ -12976,7 +13179,7 @@
             <p:cNvPr id="8" name="直接连接符 7">
               <a:extLst>
                 <a:ext uri="{FF2B5EF4-FFF2-40B4-BE49-F238E27FC236}">
-                  <a16:creationId xmlns:a16="http://schemas.microsoft.com/office/drawing/2014/main" id="{C49CFA34-B590-415B-943F-B3A368347578}"/>
+                  <a16:creationId xmlns="" xmlns:a16="http://schemas.microsoft.com/office/drawing/2014/main" id="{C49CFA34-B590-415B-943F-B3A368347578}"/>
                 </a:ext>
               </a:extLst>
             </p:cNvPr>
@@ -13013,7 +13216,7 @@
             <p:cNvPr id="9" name="文本框 8">
               <a:extLst>
                 <a:ext uri="{FF2B5EF4-FFF2-40B4-BE49-F238E27FC236}">
-                  <a16:creationId xmlns:a16="http://schemas.microsoft.com/office/drawing/2014/main" id="{F781CB2A-FF5A-4A27-BA59-B94AA5DB47B5}"/>
+                  <a16:creationId xmlns="" xmlns:a16="http://schemas.microsoft.com/office/drawing/2014/main" id="{F781CB2A-FF5A-4A27-BA59-B94AA5DB47B5}"/>
                 </a:ext>
               </a:extLst>
             </p:cNvPr>
@@ -13065,7 +13268,7 @@
             <p:cNvPr id="10" name="直接连接符 9">
               <a:extLst>
                 <a:ext uri="{FF2B5EF4-FFF2-40B4-BE49-F238E27FC236}">
-                  <a16:creationId xmlns:a16="http://schemas.microsoft.com/office/drawing/2014/main" id="{99526CC4-3E1D-4371-BF46-118B92AA3AF2}"/>
+                  <a16:creationId xmlns="" xmlns:a16="http://schemas.microsoft.com/office/drawing/2014/main" id="{99526CC4-3E1D-4371-BF46-118B92AA3AF2}"/>
                 </a:ext>
               </a:extLst>
             </p:cNvPr>
@@ -13106,7 +13309,7 @@
             <p:cNvPr id="11" name="文本框 10">
               <a:extLst>
                 <a:ext uri="{FF2B5EF4-FFF2-40B4-BE49-F238E27FC236}">
-                  <a16:creationId xmlns:a16="http://schemas.microsoft.com/office/drawing/2014/main" id="{3E00045A-F57D-4FD6-B9D1-B9D7B506F9A5}"/>
+                  <a16:creationId xmlns="" xmlns:a16="http://schemas.microsoft.com/office/drawing/2014/main" id="{3E00045A-F57D-4FD6-B9D1-B9D7B506F9A5}"/>
                 </a:ext>
               </a:extLst>
             </p:cNvPr>
@@ -13166,7 +13369,7 @@
             <p:cNvPr id="12" name="直接连接符 11">
               <a:extLst>
                 <a:ext uri="{FF2B5EF4-FFF2-40B4-BE49-F238E27FC236}">
-                  <a16:creationId xmlns:a16="http://schemas.microsoft.com/office/drawing/2014/main" id="{3EC5A9CC-DF58-4AEA-B6E3-17678C660416}"/>
+                  <a16:creationId xmlns="" xmlns:a16="http://schemas.microsoft.com/office/drawing/2014/main" id="{3EC5A9CC-DF58-4AEA-B6E3-17678C660416}"/>
                 </a:ext>
               </a:extLst>
             </p:cNvPr>
@@ -13207,7 +13410,7 @@
             <p:cNvPr id="13" name="文本框 12">
               <a:extLst>
                 <a:ext uri="{FF2B5EF4-FFF2-40B4-BE49-F238E27FC236}">
-                  <a16:creationId xmlns:a16="http://schemas.microsoft.com/office/drawing/2014/main" id="{22255F6B-CC7E-4822-AEDF-0A96031A02EF}"/>
+                  <a16:creationId xmlns="" xmlns:a16="http://schemas.microsoft.com/office/drawing/2014/main" id="{22255F6B-CC7E-4822-AEDF-0A96031A02EF}"/>
                 </a:ext>
               </a:extLst>
             </p:cNvPr>
